--- a/AI_exploration_and_demo.pptx
+++ b/AI_exploration_and_demo.pptx
@@ -5,19 +5,24 @@
     <p:sldMasterId id="2147483648" r:id="rId1"/>
   </p:sldMasterIdLst>
   <p:notesMasterIdLst>
-    <p:notesMasterId r:id="rId12"/>
+    <p:notesMasterId r:id="rId17"/>
   </p:notesMasterIdLst>
   <p:sldIdLst>
     <p:sldId id="256" r:id="rId2"/>
     <p:sldId id="259" r:id="rId3"/>
-    <p:sldId id="257" r:id="rId4"/>
-    <p:sldId id="258" r:id="rId5"/>
-    <p:sldId id="264" r:id="rId6"/>
-    <p:sldId id="265" r:id="rId7"/>
-    <p:sldId id="263" r:id="rId8"/>
-    <p:sldId id="262" r:id="rId9"/>
-    <p:sldId id="260" r:id="rId10"/>
-    <p:sldId id="261" r:id="rId11"/>
+    <p:sldId id="266" r:id="rId4"/>
+    <p:sldId id="257" r:id="rId5"/>
+    <p:sldId id="258" r:id="rId6"/>
+    <p:sldId id="267" r:id="rId7"/>
+    <p:sldId id="268" r:id="rId8"/>
+    <p:sldId id="269" r:id="rId9"/>
+    <p:sldId id="270" r:id="rId10"/>
+    <p:sldId id="264" r:id="rId11"/>
+    <p:sldId id="265" r:id="rId12"/>
+    <p:sldId id="263" r:id="rId13"/>
+    <p:sldId id="262" r:id="rId14"/>
+    <p:sldId id="260" r:id="rId15"/>
+    <p:sldId id="261" r:id="rId16"/>
   </p:sldIdLst>
   <p:sldSz cx="12192000" cy="6858000"/>
   <p:notesSz cx="6858000" cy="9144000"/>
@@ -206,7 +211,7 @@
           <a:p>
             <a:fld id="{13781E79-F267-4F31-8E1E-23ED36CD800B}" type="datetimeFigureOut">
               <a:rPr lang="zh-CN" altLang="en-US" smtClean="0"/>
-              <a:t>2018/4/28</a:t>
+              <a:t>2018/5/2</a:t>
             </a:fld>
             <a:endParaRPr lang="zh-CN" altLang="en-US"/>
           </a:p>
@@ -536,15 +541,12 @@
               <a:defRPr/>
             </a:pPr>
             <a:r>
-              <a:rPr lang="en-US" altLang="zh-CN" sz="1200" b="1" i="0" u="none" strike="noStrike" kern="1200" baseline="0" dirty="0" smtClean="0">
-                <a:solidFill>
-                  <a:schemeClr val="tx1"/>
-                </a:solidFill>
-                <a:latin typeface="+mn-lt"/>
-                <a:ea typeface="+mn-ea"/>
-                <a:cs typeface="+mn-cs"/>
-              </a:rPr>
-              <a:t>5*5*32 + 5*5*32*64 + 7*7*64*1024 + 1024 * 10 = 3273504</a:t>
+              <a:rPr lang="en-US" altLang="zh-CN" dirty="0" smtClean="0"/>
+              <a:t>Bring AI models to </a:t>
+            </a:r>
+            <a:r>
+              <a:rPr lang="en-US" altLang="zh-CN" dirty="0" err="1" smtClean="0"/>
+              <a:t>AzS</a:t>
             </a:r>
             <a:endParaRPr lang="en-US" altLang="zh-CN" dirty="0" smtClean="0"/>
           </a:p>
@@ -579,7 +581,7 @@
     </p:spTree>
     <p:extLst>
       <p:ext uri="{BB962C8B-B14F-4D97-AF65-F5344CB8AC3E}">
-        <p14:creationId xmlns:p14="http://schemas.microsoft.com/office/powerpoint/2010/main" val="1157583818"/>
+        <p14:creationId xmlns:p14="http://schemas.microsoft.com/office/powerpoint/2010/main" val="2782171770"/>
       </p:ext>
     </p:extLst>
   </p:cSld>
@@ -633,6 +635,121 @@
           <a:bodyPr/>
           <a:lstStyle/>
           <a:p>
+            <a:pPr marL="0" marR="0" lvl="0" indent="0" algn="l" defTabSz="914400" rtl="0" eaLnBrk="1" fontAlgn="auto" latinLnBrk="0" hangingPunct="1">
+              <a:lnSpc>
+                <a:spcPct val="100000"/>
+              </a:lnSpc>
+              <a:spcBef>
+                <a:spcPts val="0"/>
+              </a:spcBef>
+              <a:spcAft>
+                <a:spcPts val="0"/>
+              </a:spcAft>
+              <a:buClrTx/>
+              <a:buSzTx/>
+              <a:buFontTx/>
+              <a:buNone/>
+              <a:tabLst/>
+              <a:defRPr/>
+            </a:pPr>
+            <a:r>
+              <a:rPr lang="en-US" altLang="zh-CN" sz="1200" b="1" i="0" u="none" strike="noStrike" kern="1200" baseline="0" dirty="0" smtClean="0">
+                <a:solidFill>
+                  <a:schemeClr val="tx1"/>
+                </a:solidFill>
+                <a:latin typeface="+mn-lt"/>
+                <a:ea typeface="+mn-ea"/>
+                <a:cs typeface="+mn-cs"/>
+              </a:rPr>
+              <a:t>5*5*32 + 5*5*32*64 + 7*7*64*1024 + 1024 * 10 = 3273504</a:t>
+            </a:r>
+            <a:endParaRPr lang="en-US" altLang="zh-CN" dirty="0" smtClean="0"/>
+          </a:p>
+          <a:p>
+            <a:endParaRPr lang="zh-CN" altLang="en-US" dirty="0"/>
+          </a:p>
+        </p:txBody>
+      </p:sp>
+      <p:sp>
+        <p:nvSpPr>
+          <p:cNvPr id="4" name="Slide Number Placeholder 3"/>
+          <p:cNvSpPr>
+            <a:spLocks noGrp="1"/>
+          </p:cNvSpPr>
+          <p:nvPr>
+            <p:ph type="sldNum" sz="quarter" idx="10"/>
+          </p:nvPr>
+        </p:nvSpPr>
+        <p:spPr/>
+        <p:txBody>
+          <a:bodyPr/>
+          <a:lstStyle/>
+          <a:p>
+            <a:fld id="{9490ACEF-0A8A-43B4-AC2A-A02817DB1D1E}" type="slidenum">
+              <a:rPr lang="zh-CN" altLang="en-US" smtClean="0"/>
+              <a:t>10</a:t>
+            </a:fld>
+            <a:endParaRPr lang="zh-CN" altLang="en-US"/>
+          </a:p>
+        </p:txBody>
+      </p:sp>
+    </p:spTree>
+    <p:extLst>
+      <p:ext uri="{BB962C8B-B14F-4D97-AF65-F5344CB8AC3E}">
+        <p14:creationId xmlns:p14="http://schemas.microsoft.com/office/powerpoint/2010/main" val="1157583818"/>
+      </p:ext>
+    </p:extLst>
+  </p:cSld>
+  <p:clrMapOvr>
+    <a:masterClrMapping/>
+  </p:clrMapOvr>
+</p:notes>
+</file>
+
+<file path=ppt/notesSlides/notesSlide3.xml><?xml version="1.0" encoding="utf-8"?>
+<p:notes xmlns:a="http://schemas.openxmlformats.org/drawingml/2006/main" xmlns:r="http://schemas.openxmlformats.org/officeDocument/2006/relationships" xmlns:p="http://schemas.openxmlformats.org/presentationml/2006/main">
+  <p:cSld>
+    <p:spTree>
+      <p:nvGrpSpPr>
+        <p:cNvPr id="1" name=""/>
+        <p:cNvGrpSpPr/>
+        <p:nvPr/>
+      </p:nvGrpSpPr>
+      <p:grpSpPr>
+        <a:xfrm>
+          <a:off x="0" y="0"/>
+          <a:ext cx="0" cy="0"/>
+          <a:chOff x="0" y="0"/>
+          <a:chExt cx="0" cy="0"/>
+        </a:xfrm>
+      </p:grpSpPr>
+      <p:sp>
+        <p:nvSpPr>
+          <p:cNvPr id="2" name="Slide Image Placeholder 1"/>
+          <p:cNvSpPr>
+            <a:spLocks noGrp="1" noRot="1" noChangeAspect="1"/>
+          </p:cNvSpPr>
+          <p:nvPr>
+            <p:ph type="sldImg"/>
+          </p:nvPr>
+        </p:nvSpPr>
+        <p:spPr/>
+      </p:sp>
+      <p:sp>
+        <p:nvSpPr>
+          <p:cNvPr id="3" name="Notes Placeholder 2"/>
+          <p:cNvSpPr>
+            <a:spLocks noGrp="1"/>
+          </p:cNvSpPr>
+          <p:nvPr>
+            <p:ph type="body" idx="1"/>
+          </p:nvPr>
+        </p:nvSpPr>
+        <p:spPr/>
+        <p:txBody>
+          <a:bodyPr/>
+          <a:lstStyle/>
+          <a:p>
             <a:r>
               <a:rPr lang="en-US" altLang="zh-CN" sz="1200" kern="1200" dirty="0" smtClean="0">
                 <a:solidFill>
@@ -690,7 +807,7 @@
           <a:p>
             <a:fld id="{9490ACEF-0A8A-43B4-AC2A-A02817DB1D1E}" type="slidenum">
               <a:rPr lang="zh-CN" altLang="en-US" smtClean="0"/>
-              <a:t>8</a:t>
+              <a:t>13</a:t>
             </a:fld>
             <a:endParaRPr lang="zh-CN" altLang="en-US"/>
           </a:p>
@@ -840,7 +957,7 @@
           <a:p>
             <a:fld id="{BEC42A33-85F7-4F44-BB4E-EAA8A1766E5B}" type="datetimeFigureOut">
               <a:rPr lang="zh-CN" altLang="en-US" smtClean="0"/>
-              <a:t>2018/4/28</a:t>
+              <a:t>2018/5/2</a:t>
             </a:fld>
             <a:endParaRPr lang="zh-CN" altLang="en-US"/>
           </a:p>
@@ -1010,7 +1127,7 @@
           <a:p>
             <a:fld id="{BEC42A33-85F7-4F44-BB4E-EAA8A1766E5B}" type="datetimeFigureOut">
               <a:rPr lang="zh-CN" altLang="en-US" smtClean="0"/>
-              <a:t>2018/4/28</a:t>
+              <a:t>2018/5/2</a:t>
             </a:fld>
             <a:endParaRPr lang="zh-CN" altLang="en-US"/>
           </a:p>
@@ -1190,7 +1307,7 @@
           <a:p>
             <a:fld id="{BEC42A33-85F7-4F44-BB4E-EAA8A1766E5B}" type="datetimeFigureOut">
               <a:rPr lang="zh-CN" altLang="en-US" smtClean="0"/>
-              <a:t>2018/4/28</a:t>
+              <a:t>2018/5/2</a:t>
             </a:fld>
             <a:endParaRPr lang="zh-CN" altLang="en-US"/>
           </a:p>
@@ -1360,7 +1477,7 @@
           <a:p>
             <a:fld id="{BEC42A33-85F7-4F44-BB4E-EAA8A1766E5B}" type="datetimeFigureOut">
               <a:rPr lang="zh-CN" altLang="en-US" smtClean="0"/>
-              <a:t>2018/4/28</a:t>
+              <a:t>2018/5/2</a:t>
             </a:fld>
             <a:endParaRPr lang="zh-CN" altLang="en-US"/>
           </a:p>
@@ -1606,7 +1723,7 @@
           <a:p>
             <a:fld id="{BEC42A33-85F7-4F44-BB4E-EAA8A1766E5B}" type="datetimeFigureOut">
               <a:rPr lang="zh-CN" altLang="en-US" smtClean="0"/>
-              <a:t>2018/4/28</a:t>
+              <a:t>2018/5/2</a:t>
             </a:fld>
             <a:endParaRPr lang="zh-CN" altLang="en-US"/>
           </a:p>
@@ -1838,7 +1955,7 @@
           <a:p>
             <a:fld id="{BEC42A33-85F7-4F44-BB4E-EAA8A1766E5B}" type="datetimeFigureOut">
               <a:rPr lang="zh-CN" altLang="en-US" smtClean="0"/>
-              <a:t>2018/4/28</a:t>
+              <a:t>2018/5/2</a:t>
             </a:fld>
             <a:endParaRPr lang="zh-CN" altLang="en-US"/>
           </a:p>
@@ -2205,7 +2322,7 @@
           <a:p>
             <a:fld id="{BEC42A33-85F7-4F44-BB4E-EAA8A1766E5B}" type="datetimeFigureOut">
               <a:rPr lang="zh-CN" altLang="en-US" smtClean="0"/>
-              <a:t>2018/4/28</a:t>
+              <a:t>2018/5/2</a:t>
             </a:fld>
             <a:endParaRPr lang="zh-CN" altLang="en-US"/>
           </a:p>
@@ -2323,7 +2440,7 @@
           <a:p>
             <a:fld id="{BEC42A33-85F7-4F44-BB4E-EAA8A1766E5B}" type="datetimeFigureOut">
               <a:rPr lang="zh-CN" altLang="en-US" smtClean="0"/>
-              <a:t>2018/4/28</a:t>
+              <a:t>2018/5/2</a:t>
             </a:fld>
             <a:endParaRPr lang="zh-CN" altLang="en-US"/>
           </a:p>
@@ -2418,7 +2535,7 @@
           <a:p>
             <a:fld id="{BEC42A33-85F7-4F44-BB4E-EAA8A1766E5B}" type="datetimeFigureOut">
               <a:rPr lang="zh-CN" altLang="en-US" smtClean="0"/>
-              <a:t>2018/4/28</a:t>
+              <a:t>2018/5/2</a:t>
             </a:fld>
             <a:endParaRPr lang="zh-CN" altLang="en-US"/>
           </a:p>
@@ -2695,7 +2812,7 @@
           <a:p>
             <a:fld id="{BEC42A33-85F7-4F44-BB4E-EAA8A1766E5B}" type="datetimeFigureOut">
               <a:rPr lang="zh-CN" altLang="en-US" smtClean="0"/>
-              <a:t>2018/4/28</a:t>
+              <a:t>2018/5/2</a:t>
             </a:fld>
             <a:endParaRPr lang="zh-CN" altLang="en-US"/>
           </a:p>
@@ -2948,7 +3065,7 @@
           <a:p>
             <a:fld id="{BEC42A33-85F7-4F44-BB4E-EAA8A1766E5B}" type="datetimeFigureOut">
               <a:rPr lang="zh-CN" altLang="en-US" smtClean="0"/>
-              <a:t>2018/4/28</a:t>
+              <a:t>2018/5/2</a:t>
             </a:fld>
             <a:endParaRPr lang="zh-CN" altLang="en-US"/>
           </a:p>
@@ -3161,7 +3278,7 @@
           <a:p>
             <a:fld id="{BEC42A33-85F7-4F44-BB4E-EAA8A1766E5B}" type="datetimeFigureOut">
               <a:rPr lang="zh-CN" altLang="en-US" smtClean="0"/>
-              <a:t>2018/4/28</a:t>
+              <a:t>2018/5/2</a:t>
             </a:fld>
             <a:endParaRPr lang="zh-CN" altLang="en-US"/>
           </a:p>
@@ -3622,864 +3739,6 @@
 </file>
 
 <file path=ppt/slides/slide10.xml><?xml version="1.0" encoding="utf-8"?>
-<p:sld xmlns:a="http://schemas.openxmlformats.org/drawingml/2006/main" xmlns:r="http://schemas.openxmlformats.org/officeDocument/2006/relationships" xmlns:p="http://schemas.openxmlformats.org/presentationml/2006/main">
-  <p:cSld>
-    <p:spTree>
-      <p:nvGrpSpPr>
-        <p:cNvPr id="1" name=""/>
-        <p:cNvGrpSpPr/>
-        <p:nvPr/>
-      </p:nvGrpSpPr>
-      <p:grpSpPr>
-        <a:xfrm>
-          <a:off x="0" y="0"/>
-          <a:ext cx="0" cy="0"/>
-          <a:chOff x="0" y="0"/>
-          <a:chExt cx="0" cy="0"/>
-        </a:xfrm>
-      </p:grpSpPr>
-      <p:sp>
-        <p:nvSpPr>
-          <p:cNvPr id="2" name="Title 1"/>
-          <p:cNvSpPr>
-            <a:spLocks noGrp="1"/>
-          </p:cNvSpPr>
-          <p:nvPr>
-            <p:ph type="title"/>
-          </p:nvPr>
-        </p:nvSpPr>
-        <p:spPr/>
-        <p:txBody>
-          <a:bodyPr/>
-          <a:lstStyle/>
-          <a:p>
-            <a:r>
-              <a:rPr lang="en-US" altLang="zh-CN" dirty="0" smtClean="0"/>
-              <a:t>Conclusion</a:t>
-            </a:r>
-            <a:endParaRPr lang="zh-CN" altLang="en-US" dirty="0"/>
-          </a:p>
-        </p:txBody>
-      </p:sp>
-      <p:sp>
-        <p:nvSpPr>
-          <p:cNvPr id="3" name="Content Placeholder 2"/>
-          <p:cNvSpPr>
-            <a:spLocks noGrp="1"/>
-          </p:cNvSpPr>
-          <p:nvPr>
-            <p:ph idx="1"/>
-          </p:nvPr>
-        </p:nvSpPr>
-        <p:spPr/>
-        <p:txBody>
-          <a:bodyPr/>
-          <a:lstStyle/>
-          <a:p>
-            <a:r>
-              <a:rPr lang="en-US" altLang="zh-CN" dirty="0" smtClean="0"/>
-              <a:t>Time-insensitive inferencing is okay in </a:t>
-            </a:r>
-            <a:r>
-              <a:rPr lang="en-US" altLang="zh-CN" dirty="0" err="1" smtClean="0"/>
-              <a:t>AzS</a:t>
-            </a:r>
-            <a:r>
-              <a:rPr lang="en-US" altLang="zh-CN" dirty="0" smtClean="0"/>
-              <a:t> as of today.</a:t>
-            </a:r>
-          </a:p>
-          <a:p>
-            <a:r>
-              <a:rPr lang="en-US" altLang="zh-CN" dirty="0" smtClean="0"/>
-              <a:t>Going forward K8s and GPU are the keys.</a:t>
-            </a:r>
-            <a:endParaRPr lang="zh-CN" altLang="en-US" dirty="0"/>
-          </a:p>
-        </p:txBody>
-      </p:sp>
-    </p:spTree>
-    <p:extLst>
-      <p:ext uri="{BB962C8B-B14F-4D97-AF65-F5344CB8AC3E}">
-        <p14:creationId xmlns:p14="http://schemas.microsoft.com/office/powerpoint/2010/main" val="2781634031"/>
-      </p:ext>
-    </p:extLst>
-  </p:cSld>
-  <p:clrMapOvr>
-    <a:masterClrMapping/>
-  </p:clrMapOvr>
-</p:sld>
-</file>
-
-<file path=ppt/slides/slide2.xml><?xml version="1.0" encoding="utf-8"?>
-<p:sld xmlns:a="http://schemas.openxmlformats.org/drawingml/2006/main" xmlns:r="http://schemas.openxmlformats.org/officeDocument/2006/relationships" xmlns:p="http://schemas.openxmlformats.org/presentationml/2006/main">
-  <p:cSld>
-    <p:spTree>
-      <p:nvGrpSpPr>
-        <p:cNvPr id="1" name=""/>
-        <p:cNvGrpSpPr/>
-        <p:nvPr/>
-      </p:nvGrpSpPr>
-      <p:grpSpPr>
-        <a:xfrm>
-          <a:off x="0" y="0"/>
-          <a:ext cx="0" cy="0"/>
-          <a:chOff x="0" y="0"/>
-          <a:chExt cx="0" cy="0"/>
-        </a:xfrm>
-      </p:grpSpPr>
-      <p:sp>
-        <p:nvSpPr>
-          <p:cNvPr id="2" name="Title 1"/>
-          <p:cNvSpPr>
-            <a:spLocks noGrp="1"/>
-          </p:cNvSpPr>
-          <p:nvPr>
-            <p:ph type="title"/>
-          </p:nvPr>
-        </p:nvSpPr>
-        <p:spPr/>
-        <p:txBody>
-          <a:bodyPr/>
-          <a:lstStyle/>
-          <a:p>
-            <a:r>
-              <a:rPr lang="en-US" altLang="zh-CN" dirty="0" smtClean="0"/>
-              <a:t>Agenda</a:t>
-            </a:r>
-            <a:endParaRPr lang="zh-CN" altLang="en-US" dirty="0"/>
-          </a:p>
-        </p:txBody>
-      </p:sp>
-      <p:sp>
-        <p:nvSpPr>
-          <p:cNvPr id="3" name="Content Placeholder 2"/>
-          <p:cNvSpPr>
-            <a:spLocks noGrp="1"/>
-          </p:cNvSpPr>
-          <p:nvPr>
-            <p:ph idx="1"/>
-          </p:nvPr>
-        </p:nvSpPr>
-        <p:spPr/>
-        <p:txBody>
-          <a:bodyPr/>
-          <a:lstStyle/>
-          <a:p>
-            <a:r>
-              <a:rPr lang="en-US" altLang="zh-CN" dirty="0" smtClean="0"/>
-              <a:t>Industry &amp; Scenarios</a:t>
-            </a:r>
-            <a:endParaRPr lang="zh-CN" altLang="en-US" dirty="0" smtClean="0"/>
-          </a:p>
-          <a:p>
-            <a:r>
-              <a:rPr lang="en-US" altLang="zh-CN" dirty="0" smtClean="0"/>
-              <a:t>Data</a:t>
-            </a:r>
-          </a:p>
-          <a:p>
-            <a:r>
-              <a:rPr lang="en-US" altLang="zh-CN" dirty="0" smtClean="0"/>
-              <a:t>Models</a:t>
-            </a:r>
-          </a:p>
-          <a:p>
-            <a:r>
-              <a:rPr lang="en-US" altLang="zh-CN" dirty="0" smtClean="0"/>
-              <a:t>Operationalization &amp; Tooling</a:t>
-            </a:r>
-          </a:p>
-        </p:txBody>
-      </p:sp>
-      <p:sp>
-        <p:nvSpPr>
-          <p:cNvPr id="4" name="Oval 3"/>
-          <p:cNvSpPr/>
-          <p:nvPr/>
-        </p:nvSpPr>
-        <p:spPr>
-          <a:xfrm>
-            <a:off x="8190524" y="2696307"/>
-            <a:ext cx="1375507" cy="1383324"/>
-          </a:xfrm>
-          <a:prstGeom prst="ellipse">
-            <a:avLst/>
-          </a:prstGeom>
-        </p:spPr>
-        <p:style>
-          <a:lnRef idx="0">
-            <a:schemeClr val="dk1"/>
-          </a:lnRef>
-          <a:fillRef idx="3">
-            <a:schemeClr val="dk1"/>
-          </a:fillRef>
-          <a:effectRef idx="3">
-            <a:schemeClr val="dk1"/>
-          </a:effectRef>
-          <a:fontRef idx="minor">
-            <a:schemeClr val="lt1"/>
-          </a:fontRef>
-        </p:style>
-        <p:txBody>
-          <a:bodyPr rtlCol="0" anchor="ctr"/>
-          <a:lstStyle/>
-          <a:p>
-            <a:pPr algn="ctr"/>
-            <a:r>
-              <a:rPr lang="en-US" altLang="zh-CN" sz="4400" dirty="0" smtClean="0"/>
-              <a:t>AI</a:t>
-            </a:r>
-            <a:endParaRPr lang="zh-CN" altLang="en-US" sz="4400" dirty="0"/>
-          </a:p>
-        </p:txBody>
-      </p:sp>
-      <p:sp>
-        <p:nvSpPr>
-          <p:cNvPr id="5" name="Rectangle 4"/>
-          <p:cNvSpPr/>
-          <p:nvPr/>
-        </p:nvSpPr>
-        <p:spPr>
-          <a:xfrm>
-            <a:off x="5957653" y="1583347"/>
-            <a:ext cx="1922585" cy="836247"/>
-          </a:xfrm>
-          <a:prstGeom prst="rect">
-            <a:avLst/>
-          </a:prstGeom>
-        </p:spPr>
-        <p:style>
-          <a:lnRef idx="0">
-            <a:schemeClr val="accent2"/>
-          </a:lnRef>
-          <a:fillRef idx="3">
-            <a:schemeClr val="accent2"/>
-          </a:fillRef>
-          <a:effectRef idx="3">
-            <a:schemeClr val="accent2"/>
-          </a:effectRef>
-          <a:fontRef idx="minor">
-            <a:schemeClr val="lt1"/>
-          </a:fontRef>
-        </p:style>
-        <p:txBody>
-          <a:bodyPr rtlCol="0" anchor="ctr"/>
-          <a:lstStyle/>
-          <a:p>
-            <a:pPr algn="ctr"/>
-            <a:r>
-              <a:rPr lang="en-US" altLang="zh-CN" dirty="0" smtClean="0"/>
-              <a:t>Industry &amp; Scenarios</a:t>
-            </a:r>
-            <a:endParaRPr lang="zh-CN" altLang="en-US" dirty="0" smtClean="0"/>
-          </a:p>
-        </p:txBody>
-      </p:sp>
-      <p:sp>
-        <p:nvSpPr>
-          <p:cNvPr id="6" name="Rectangle 5"/>
-          <p:cNvSpPr/>
-          <p:nvPr/>
-        </p:nvSpPr>
-        <p:spPr>
-          <a:xfrm>
-            <a:off x="9866571" y="1583347"/>
-            <a:ext cx="1922585" cy="836247"/>
-          </a:xfrm>
-          <a:prstGeom prst="rect">
-            <a:avLst/>
-          </a:prstGeom>
-        </p:spPr>
-        <p:style>
-          <a:lnRef idx="0">
-            <a:schemeClr val="accent5"/>
-          </a:lnRef>
-          <a:fillRef idx="3">
-            <a:schemeClr val="accent5"/>
-          </a:fillRef>
-          <a:effectRef idx="3">
-            <a:schemeClr val="accent5"/>
-          </a:effectRef>
-          <a:fontRef idx="minor">
-            <a:schemeClr val="lt1"/>
-          </a:fontRef>
-        </p:style>
-        <p:txBody>
-          <a:bodyPr rtlCol="0" anchor="ctr"/>
-          <a:lstStyle/>
-          <a:p>
-            <a:pPr algn="ctr"/>
-            <a:r>
-              <a:rPr lang="en-US" altLang="zh-CN" dirty="0" smtClean="0"/>
-              <a:t>Data</a:t>
-            </a:r>
-            <a:endParaRPr lang="zh-CN" altLang="en-US" dirty="0" smtClean="0"/>
-          </a:p>
-        </p:txBody>
-      </p:sp>
-      <p:sp>
-        <p:nvSpPr>
-          <p:cNvPr id="7" name="Rectangle 6"/>
-          <p:cNvSpPr/>
-          <p:nvPr/>
-        </p:nvSpPr>
-        <p:spPr>
-          <a:xfrm>
-            <a:off x="6015884" y="4456926"/>
-            <a:ext cx="1922585" cy="836247"/>
-          </a:xfrm>
-          <a:prstGeom prst="rect">
-            <a:avLst/>
-          </a:prstGeom>
-        </p:spPr>
-        <p:style>
-          <a:lnRef idx="0">
-            <a:schemeClr val="accent6"/>
-          </a:lnRef>
-          <a:fillRef idx="3">
-            <a:schemeClr val="accent6"/>
-          </a:fillRef>
-          <a:effectRef idx="3">
-            <a:schemeClr val="accent6"/>
-          </a:effectRef>
-          <a:fontRef idx="minor">
-            <a:schemeClr val="lt1"/>
-          </a:fontRef>
-        </p:style>
-        <p:txBody>
-          <a:bodyPr rtlCol="0" anchor="ctr"/>
-          <a:lstStyle/>
-          <a:p>
-            <a:pPr algn="ctr"/>
-            <a:r>
-              <a:rPr lang="en-US" altLang="zh-CN" dirty="0" smtClean="0"/>
-              <a:t>Models</a:t>
-            </a:r>
-            <a:endParaRPr lang="zh-CN" altLang="en-US" dirty="0" smtClean="0"/>
-          </a:p>
-        </p:txBody>
-      </p:sp>
-      <p:sp>
-        <p:nvSpPr>
-          <p:cNvPr id="8" name="Rectangle 7"/>
-          <p:cNvSpPr/>
-          <p:nvPr/>
-        </p:nvSpPr>
-        <p:spPr>
-          <a:xfrm>
-            <a:off x="9866572" y="4456926"/>
-            <a:ext cx="1922585" cy="836247"/>
-          </a:xfrm>
-          <a:prstGeom prst="rect">
-            <a:avLst/>
-          </a:prstGeom>
-        </p:spPr>
-        <p:style>
-          <a:lnRef idx="0">
-            <a:schemeClr val="accent4"/>
-          </a:lnRef>
-          <a:fillRef idx="3">
-            <a:schemeClr val="accent4"/>
-          </a:fillRef>
-          <a:effectRef idx="3">
-            <a:schemeClr val="accent4"/>
-          </a:effectRef>
-          <a:fontRef idx="minor">
-            <a:schemeClr val="lt1"/>
-          </a:fontRef>
-        </p:style>
-        <p:txBody>
-          <a:bodyPr rtlCol="0" anchor="ctr"/>
-          <a:lstStyle/>
-          <a:p>
-            <a:pPr algn="ctr"/>
-            <a:r>
-              <a:rPr lang="en-US" altLang="zh-CN" sz="1600" dirty="0" smtClean="0"/>
-              <a:t>Operationalization &amp; Tooling</a:t>
-            </a:r>
-          </a:p>
-        </p:txBody>
-      </p:sp>
-      <p:sp>
-        <p:nvSpPr>
-          <p:cNvPr id="14" name="Right Arrow 13"/>
-          <p:cNvSpPr/>
-          <p:nvPr/>
-        </p:nvSpPr>
-        <p:spPr>
-          <a:xfrm rot="2786814">
-            <a:off x="7780283" y="2504765"/>
-            <a:ext cx="664308" cy="354357"/>
-          </a:xfrm>
-          <a:prstGeom prst="rightArrow">
-            <a:avLst/>
-          </a:prstGeom>
-        </p:spPr>
-        <p:style>
-          <a:lnRef idx="2">
-            <a:schemeClr val="accent1">
-              <a:shade val="50000"/>
-            </a:schemeClr>
-          </a:lnRef>
-          <a:fillRef idx="1">
-            <a:schemeClr val="accent1"/>
-          </a:fillRef>
-          <a:effectRef idx="0">
-            <a:schemeClr val="accent1"/>
-          </a:effectRef>
-          <a:fontRef idx="minor">
-            <a:schemeClr val="lt1"/>
-          </a:fontRef>
-        </p:style>
-        <p:txBody>
-          <a:bodyPr rtlCol="0" anchor="ctr"/>
-          <a:lstStyle/>
-          <a:p>
-            <a:pPr algn="ctr"/>
-            <a:endParaRPr lang="zh-CN" altLang="en-US"/>
-          </a:p>
-        </p:txBody>
-      </p:sp>
-      <p:sp>
-        <p:nvSpPr>
-          <p:cNvPr id="15" name="Right Arrow 14"/>
-          <p:cNvSpPr/>
-          <p:nvPr/>
-        </p:nvSpPr>
-        <p:spPr>
-          <a:xfrm rot="18734351">
-            <a:off x="7864435" y="4022176"/>
-            <a:ext cx="664308" cy="354357"/>
-          </a:xfrm>
-          <a:prstGeom prst="rightArrow">
-            <a:avLst/>
-          </a:prstGeom>
-        </p:spPr>
-        <p:style>
-          <a:lnRef idx="2">
-            <a:schemeClr val="accent1">
-              <a:shade val="50000"/>
-            </a:schemeClr>
-          </a:lnRef>
-          <a:fillRef idx="1">
-            <a:schemeClr val="accent1"/>
-          </a:fillRef>
-          <a:effectRef idx="0">
-            <a:schemeClr val="accent1"/>
-          </a:effectRef>
-          <a:fontRef idx="minor">
-            <a:schemeClr val="lt1"/>
-          </a:fontRef>
-        </p:style>
-        <p:txBody>
-          <a:bodyPr rtlCol="0" anchor="ctr"/>
-          <a:lstStyle/>
-          <a:p>
-            <a:pPr algn="ctr"/>
-            <a:endParaRPr lang="zh-CN" altLang="en-US"/>
-          </a:p>
-        </p:txBody>
-      </p:sp>
-      <p:sp>
-        <p:nvSpPr>
-          <p:cNvPr id="16" name="Right Arrow 15"/>
-          <p:cNvSpPr/>
-          <p:nvPr/>
-        </p:nvSpPr>
-        <p:spPr>
-          <a:xfrm rot="7945348">
-            <a:off x="9299808" y="2511314"/>
-            <a:ext cx="664308" cy="354357"/>
-          </a:xfrm>
-          <a:prstGeom prst="rightArrow">
-            <a:avLst/>
-          </a:prstGeom>
-        </p:spPr>
-        <p:style>
-          <a:lnRef idx="2">
-            <a:schemeClr val="accent1">
-              <a:shade val="50000"/>
-            </a:schemeClr>
-          </a:lnRef>
-          <a:fillRef idx="1">
-            <a:schemeClr val="accent1"/>
-          </a:fillRef>
-          <a:effectRef idx="0">
-            <a:schemeClr val="accent1"/>
-          </a:effectRef>
-          <a:fontRef idx="minor">
-            <a:schemeClr val="lt1"/>
-          </a:fontRef>
-        </p:style>
-        <p:txBody>
-          <a:bodyPr rtlCol="0" anchor="ctr"/>
-          <a:lstStyle/>
-          <a:p>
-            <a:pPr algn="ctr"/>
-            <a:endParaRPr lang="zh-CN" altLang="en-US"/>
-          </a:p>
-        </p:txBody>
-      </p:sp>
-      <p:sp>
-        <p:nvSpPr>
-          <p:cNvPr id="17" name="Right Arrow 16"/>
-          <p:cNvSpPr/>
-          <p:nvPr/>
-        </p:nvSpPr>
-        <p:spPr>
-          <a:xfrm rot="13371583">
-            <a:off x="9240759" y="4031129"/>
-            <a:ext cx="664308" cy="354357"/>
-          </a:xfrm>
-          <a:prstGeom prst="rightArrow">
-            <a:avLst/>
-          </a:prstGeom>
-        </p:spPr>
-        <p:style>
-          <a:lnRef idx="2">
-            <a:schemeClr val="accent1">
-              <a:shade val="50000"/>
-            </a:schemeClr>
-          </a:lnRef>
-          <a:fillRef idx="1">
-            <a:schemeClr val="accent1"/>
-          </a:fillRef>
-          <a:effectRef idx="0">
-            <a:schemeClr val="accent1"/>
-          </a:effectRef>
-          <a:fontRef idx="minor">
-            <a:schemeClr val="lt1"/>
-          </a:fontRef>
-        </p:style>
-        <p:txBody>
-          <a:bodyPr rtlCol="0" anchor="ctr"/>
-          <a:lstStyle/>
-          <a:p>
-            <a:pPr algn="ctr"/>
-            <a:endParaRPr lang="zh-CN" altLang="en-US"/>
-          </a:p>
-        </p:txBody>
-      </p:sp>
-    </p:spTree>
-    <p:extLst>
-      <p:ext uri="{BB962C8B-B14F-4D97-AF65-F5344CB8AC3E}">
-        <p14:creationId xmlns:p14="http://schemas.microsoft.com/office/powerpoint/2010/main" val="1614287008"/>
-      </p:ext>
-    </p:extLst>
-  </p:cSld>
-  <p:clrMapOvr>
-    <a:masterClrMapping/>
-  </p:clrMapOvr>
-</p:sld>
-</file>
-
-<file path=ppt/slides/slide3.xml><?xml version="1.0" encoding="utf-8"?>
-<p:sld xmlns:a="http://schemas.openxmlformats.org/drawingml/2006/main" xmlns:r="http://schemas.openxmlformats.org/officeDocument/2006/relationships" xmlns:p="http://schemas.openxmlformats.org/presentationml/2006/main">
-  <p:cSld>
-    <p:spTree>
-      <p:nvGrpSpPr>
-        <p:cNvPr id="1" name=""/>
-        <p:cNvGrpSpPr/>
-        <p:nvPr/>
-      </p:nvGrpSpPr>
-      <p:grpSpPr>
-        <a:xfrm>
-          <a:off x="0" y="0"/>
-          <a:ext cx="0" cy="0"/>
-          <a:chOff x="0" y="0"/>
-          <a:chExt cx="0" cy="0"/>
-        </a:xfrm>
-      </p:grpSpPr>
-      <p:sp>
-        <p:nvSpPr>
-          <p:cNvPr id="2" name="Title 1"/>
-          <p:cNvSpPr>
-            <a:spLocks noGrp="1"/>
-          </p:cNvSpPr>
-          <p:nvPr>
-            <p:ph type="title"/>
-          </p:nvPr>
-        </p:nvSpPr>
-        <p:spPr/>
-        <p:txBody>
-          <a:bodyPr/>
-          <a:lstStyle/>
-          <a:p>
-            <a:r>
-              <a:rPr lang="en-US" altLang="zh-CN" dirty="0" smtClean="0"/>
-              <a:t>Data</a:t>
-            </a:r>
-            <a:endParaRPr lang="zh-CN" altLang="en-US" dirty="0"/>
-          </a:p>
-        </p:txBody>
-      </p:sp>
-      <p:sp>
-        <p:nvSpPr>
-          <p:cNvPr id="3" name="Content Placeholder 2"/>
-          <p:cNvSpPr>
-            <a:spLocks noGrp="1"/>
-          </p:cNvSpPr>
-          <p:nvPr>
-            <p:ph idx="1"/>
-          </p:nvPr>
-        </p:nvSpPr>
-        <p:spPr>
-          <a:xfrm>
-            <a:off x="838200" y="1825625"/>
-            <a:ext cx="5757985" cy="4351338"/>
-          </a:xfrm>
-        </p:spPr>
-        <p:txBody>
-          <a:bodyPr/>
-          <a:lstStyle/>
-          <a:p>
-            <a:r>
-              <a:rPr lang="en-US" altLang="zh-CN" dirty="0" err="1" smtClean="0"/>
-              <a:t>IoT</a:t>
-            </a:r>
-            <a:r>
-              <a:rPr lang="en-US" altLang="zh-CN" dirty="0" smtClean="0"/>
-              <a:t> -&gt; connectivity -&gt; Data</a:t>
-            </a:r>
-          </a:p>
-          <a:p>
-            <a:r>
-              <a:rPr lang="en-US" altLang="zh-CN" dirty="0" smtClean="0"/>
-              <a:t>Videos + images = 85% data</a:t>
-            </a:r>
-          </a:p>
-          <a:p>
-            <a:endParaRPr lang="en-US" altLang="zh-CN" dirty="0"/>
-          </a:p>
-          <a:p>
-            <a:r>
-              <a:rPr lang="en-US" altLang="zh-CN" dirty="0" smtClean="0"/>
-              <a:t>Demo1: </a:t>
-            </a:r>
-          </a:p>
-          <a:p>
-            <a:pPr lvl="1"/>
-            <a:r>
-              <a:rPr lang="en-US" altLang="zh-CN" dirty="0" smtClean="0"/>
-              <a:t>Bring live video stream to </a:t>
-            </a:r>
-            <a:r>
-              <a:rPr lang="en-US" altLang="zh-CN" dirty="0" err="1" smtClean="0"/>
-              <a:t>AzS</a:t>
-            </a:r>
-            <a:endParaRPr lang="en-US" altLang="zh-CN" dirty="0" smtClean="0"/>
-          </a:p>
-          <a:p>
-            <a:pPr lvl="1"/>
-            <a:r>
-              <a:rPr lang="en-US" altLang="zh-CN" dirty="0" smtClean="0"/>
-              <a:t>Pose estimation &amp; recognition</a:t>
-            </a:r>
-          </a:p>
-          <a:p>
-            <a:pPr lvl="1"/>
-            <a:endParaRPr lang="en-US" altLang="zh-CN" dirty="0" smtClean="0"/>
-          </a:p>
-          <a:p>
-            <a:pPr lvl="1"/>
-            <a:endParaRPr lang="zh-CN" altLang="en-US" dirty="0"/>
-          </a:p>
-        </p:txBody>
-      </p:sp>
-      <p:pic>
-        <p:nvPicPr>
-          <p:cNvPr id="4" name="Picture 3"/>
-          <p:cNvPicPr>
-            <a:picLocks noChangeAspect="1"/>
-          </p:cNvPicPr>
-          <p:nvPr/>
-        </p:nvPicPr>
-        <p:blipFill>
-          <a:blip r:embed="rId2"/>
-          <a:stretch>
-            <a:fillRect/>
-          </a:stretch>
-        </p:blipFill>
-        <p:spPr>
-          <a:xfrm>
-            <a:off x="6279275" y="1606631"/>
-            <a:ext cx="4885388" cy="4082400"/>
-          </a:xfrm>
-          <a:prstGeom prst="rect">
-            <a:avLst/>
-          </a:prstGeom>
-        </p:spPr>
-      </p:pic>
-    </p:spTree>
-    <p:extLst>
-      <p:ext uri="{BB962C8B-B14F-4D97-AF65-F5344CB8AC3E}">
-        <p14:creationId xmlns:p14="http://schemas.microsoft.com/office/powerpoint/2010/main" val="3241308380"/>
-      </p:ext>
-    </p:extLst>
-  </p:cSld>
-  <p:clrMapOvr>
-    <a:masterClrMapping/>
-  </p:clrMapOvr>
-</p:sld>
-</file>
-
-<file path=ppt/slides/slide4.xml><?xml version="1.0" encoding="utf-8"?>
-<p:sld xmlns:a="http://schemas.openxmlformats.org/drawingml/2006/main" xmlns:r="http://schemas.openxmlformats.org/officeDocument/2006/relationships" xmlns:p="http://schemas.openxmlformats.org/presentationml/2006/main">
-  <p:cSld>
-    <p:spTree>
-      <p:nvGrpSpPr>
-        <p:cNvPr id="1" name=""/>
-        <p:cNvGrpSpPr/>
-        <p:nvPr/>
-      </p:nvGrpSpPr>
-      <p:grpSpPr>
-        <a:xfrm>
-          <a:off x="0" y="0"/>
-          <a:ext cx="0" cy="0"/>
-          <a:chOff x="0" y="0"/>
-          <a:chExt cx="0" cy="0"/>
-        </a:xfrm>
-      </p:grpSpPr>
-      <p:sp>
-        <p:nvSpPr>
-          <p:cNvPr id="2" name="Title 1"/>
-          <p:cNvSpPr>
-            <a:spLocks noGrp="1"/>
-          </p:cNvSpPr>
-          <p:nvPr>
-            <p:ph type="title"/>
-          </p:nvPr>
-        </p:nvSpPr>
-        <p:spPr/>
-        <p:txBody>
-          <a:bodyPr/>
-          <a:lstStyle/>
-          <a:p>
-            <a:r>
-              <a:rPr lang="en-US" altLang="zh-CN" dirty="0" smtClean="0"/>
-              <a:t>Models</a:t>
-            </a:r>
-            <a:endParaRPr lang="zh-CN" altLang="en-US" dirty="0"/>
-          </a:p>
-        </p:txBody>
-      </p:sp>
-      <p:sp>
-        <p:nvSpPr>
-          <p:cNvPr id="3" name="Content Placeholder 2"/>
-          <p:cNvSpPr>
-            <a:spLocks noGrp="1"/>
-          </p:cNvSpPr>
-          <p:nvPr>
-            <p:ph idx="1"/>
-          </p:nvPr>
-        </p:nvSpPr>
-        <p:spPr/>
-        <p:txBody>
-          <a:bodyPr>
-            <a:normAutofit/>
-          </a:bodyPr>
-          <a:lstStyle/>
-          <a:p>
-            <a:r>
-              <a:rPr lang="en-US" altLang="zh-CN" dirty="0" smtClean="0"/>
-              <a:t>Run DL models on </a:t>
-            </a:r>
-            <a:r>
-              <a:rPr lang="en-US" altLang="zh-CN" dirty="0" err="1" smtClean="0"/>
-              <a:t>AzS</a:t>
-            </a:r>
-            <a:r>
-              <a:rPr lang="en-US" altLang="zh-CN" dirty="0" smtClean="0"/>
-              <a:t>:</a:t>
-            </a:r>
-          </a:p>
-          <a:p>
-            <a:pPr lvl="1"/>
-            <a:r>
-              <a:rPr lang="en-US" altLang="zh-CN" dirty="0" smtClean="0"/>
-              <a:t>Image:</a:t>
-            </a:r>
-          </a:p>
-          <a:p>
-            <a:pPr lvl="2"/>
-            <a:r>
-              <a:rPr lang="en-US" altLang="zh-CN" dirty="0" smtClean="0"/>
-              <a:t>Chest X-ray</a:t>
-            </a:r>
-          </a:p>
-          <a:p>
-            <a:pPr lvl="2"/>
-            <a:r>
-              <a:rPr lang="en-US" altLang="zh-CN" dirty="0" smtClean="0"/>
-              <a:t>Face recognition</a:t>
-            </a:r>
-          </a:p>
-          <a:p>
-            <a:pPr lvl="2"/>
-            <a:r>
-              <a:rPr lang="en-US" altLang="zh-CN" dirty="0" smtClean="0"/>
-              <a:t>Car recognition</a:t>
-            </a:r>
-            <a:endParaRPr lang="en-US" altLang="zh-CN" dirty="0"/>
-          </a:p>
-          <a:p>
-            <a:pPr lvl="1"/>
-            <a:r>
-              <a:rPr lang="en-US" altLang="zh-CN" dirty="0" smtClean="0"/>
-              <a:t>Audio:</a:t>
-            </a:r>
-          </a:p>
-          <a:p>
-            <a:pPr lvl="2"/>
-            <a:r>
-              <a:rPr lang="en-US" altLang="zh-CN" dirty="0" smtClean="0"/>
-              <a:t>TTS (text to speech)</a:t>
-            </a:r>
-          </a:p>
-          <a:p>
-            <a:pPr marL="457200" lvl="1" indent="0">
-              <a:buNone/>
-            </a:pPr>
-            <a:endParaRPr lang="en-US" altLang="zh-CN" dirty="0"/>
-          </a:p>
-          <a:p>
-            <a:r>
-              <a:rPr lang="en-US" altLang="zh-CN" dirty="0" smtClean="0"/>
-              <a:t>Demo2: </a:t>
-            </a:r>
-          </a:p>
-          <a:p>
-            <a:pPr lvl="1"/>
-            <a:r>
-              <a:rPr lang="en-US" altLang="zh-CN" dirty="0" smtClean="0"/>
-              <a:t>Bring AI models to </a:t>
-            </a:r>
-            <a:r>
-              <a:rPr lang="en-US" altLang="zh-CN" dirty="0" err="1" smtClean="0"/>
-              <a:t>AzS</a:t>
-            </a:r>
-            <a:endParaRPr lang="en-US" altLang="zh-CN" dirty="0" smtClean="0"/>
-          </a:p>
-          <a:p>
-            <a:endParaRPr lang="zh-CN" altLang="en-US" dirty="0"/>
-          </a:p>
-        </p:txBody>
-      </p:sp>
-    </p:spTree>
-    <p:extLst>
-      <p:ext uri="{BB962C8B-B14F-4D97-AF65-F5344CB8AC3E}">
-        <p14:creationId xmlns:p14="http://schemas.microsoft.com/office/powerpoint/2010/main" val="2290176015"/>
-      </p:ext>
-    </p:extLst>
-  </p:cSld>
-  <p:clrMapOvr>
-    <a:masterClrMapping/>
-  </p:clrMapOvr>
-</p:sld>
-</file>
-
-<file path=ppt/slides/slide5.xml><?xml version="1.0" encoding="utf-8"?>
 <p:sld xmlns:a="http://schemas.openxmlformats.org/drawingml/2006/main" xmlns:r="http://schemas.openxmlformats.org/officeDocument/2006/relationships" xmlns:p="http://schemas.openxmlformats.org/presentationml/2006/main" show="0">
   <p:cSld>
     <p:spTree>
@@ -4635,7 +3894,7 @@
 </p:sld>
 </file>
 
-<file path=ppt/slides/slide6.xml><?xml version="1.0" encoding="utf-8"?>
+<file path=ppt/slides/slide11.xml><?xml version="1.0" encoding="utf-8"?>
 <p:sld xmlns:a="http://schemas.openxmlformats.org/drawingml/2006/main" xmlns:r="http://schemas.openxmlformats.org/officeDocument/2006/relationships" xmlns:p="http://schemas.openxmlformats.org/presentationml/2006/main" show="0">
   <p:cSld>
     <p:spTree>
@@ -4959,7 +4218,7 @@
 </p:sld>
 </file>
 
-<file path=ppt/slides/slide7.xml><?xml version="1.0" encoding="utf-8"?>
+<file path=ppt/slides/slide12.xml><?xml version="1.0" encoding="utf-8"?>
 <p:sld xmlns:a="http://schemas.openxmlformats.org/drawingml/2006/main" xmlns:r="http://schemas.openxmlformats.org/officeDocument/2006/relationships" xmlns:p="http://schemas.openxmlformats.org/presentationml/2006/main" show="0">
   <p:cSld>
     <p:spTree>
@@ -5198,7 +4457,7 @@
 </p:sld>
 </file>
 
-<file path=ppt/slides/slide8.xml><?xml version="1.0" encoding="utf-8"?>
+<file path=ppt/slides/slide13.xml><?xml version="1.0" encoding="utf-8"?>
 <p:sld xmlns:a="http://schemas.openxmlformats.org/drawingml/2006/main" xmlns:r="http://schemas.openxmlformats.org/officeDocument/2006/relationships" xmlns:p="http://schemas.openxmlformats.org/presentationml/2006/main">
   <p:cSld>
     <p:spTree>
@@ -5992,11 +5251,7 @@
                     <a:p>
                       <a:r>
                         <a:rPr lang="en-US" altLang="zh-CN" sz="1600" dirty="0" smtClean="0"/>
-                        <a:t>ResNet-101 </a:t>
-                      </a:r>
-                      <a:r>
-                        <a:rPr lang="en-US" altLang="zh-CN" sz="1600" dirty="0" smtClean="0"/>
-                        <a:t>on FER-2013 </a:t>
+                        <a:t>ResNet-101 on FER-2013 </a:t>
                       </a:r>
                       <a:r>
                         <a:rPr lang="en-US" altLang="zh-CN" sz="1600" kern="1200" dirty="0" smtClean="0">
@@ -6087,11 +5342,7 @@
                     <a:p>
                       <a:r>
                         <a:rPr lang="en-US" altLang="zh-CN" sz="1600" dirty="0" smtClean="0"/>
-                        <a:t>26:17 </a:t>
-                      </a:r>
-                      <a:r>
-                        <a:rPr lang="en-US" altLang="zh-CN" sz="1600" dirty="0" smtClean="0"/>
-                        <a:t>per epoch</a:t>
+                        <a:t>26:17 per epoch</a:t>
                       </a:r>
                       <a:endParaRPr lang="zh-CN" altLang="en-US" sz="1600" dirty="0"/>
                     </a:p>
@@ -6367,6 +5618,1763 @@
 </p:sld>
 </file>
 
+<file path=ppt/slides/slide14.xml><?xml version="1.0" encoding="utf-8"?>
+<p:sld xmlns:a="http://schemas.openxmlformats.org/drawingml/2006/main" xmlns:r="http://schemas.openxmlformats.org/officeDocument/2006/relationships" xmlns:p="http://schemas.openxmlformats.org/presentationml/2006/main">
+  <p:cSld>
+    <p:spTree>
+      <p:nvGrpSpPr>
+        <p:cNvPr id="1" name=""/>
+        <p:cNvGrpSpPr/>
+        <p:nvPr/>
+      </p:nvGrpSpPr>
+      <p:grpSpPr>
+        <a:xfrm>
+          <a:off x="0" y="0"/>
+          <a:ext cx="0" cy="0"/>
+          <a:chOff x="0" y="0"/>
+          <a:chExt cx="0" cy="0"/>
+        </a:xfrm>
+      </p:grpSpPr>
+      <p:sp>
+        <p:nvSpPr>
+          <p:cNvPr id="2" name="Title 1"/>
+          <p:cNvSpPr>
+            <a:spLocks noGrp="1"/>
+          </p:cNvSpPr>
+          <p:nvPr>
+            <p:ph type="title"/>
+          </p:nvPr>
+        </p:nvSpPr>
+        <p:spPr/>
+        <p:txBody>
+          <a:bodyPr/>
+          <a:lstStyle/>
+          <a:p>
+            <a:r>
+              <a:rPr lang="en-US" altLang="zh-CN" dirty="0" smtClean="0"/>
+              <a:t>Operationalization &amp; Tooling</a:t>
+            </a:r>
+            <a:endParaRPr lang="zh-CN" altLang="en-US" dirty="0"/>
+          </a:p>
+        </p:txBody>
+      </p:sp>
+      <p:sp>
+        <p:nvSpPr>
+          <p:cNvPr id="3" name="Content Placeholder 2"/>
+          <p:cNvSpPr>
+            <a:spLocks noGrp="1"/>
+          </p:cNvSpPr>
+          <p:nvPr>
+            <p:ph idx="1"/>
+          </p:nvPr>
+        </p:nvSpPr>
+        <p:spPr/>
+        <p:txBody>
+          <a:bodyPr/>
+          <a:lstStyle/>
+          <a:p>
+            <a:r>
+              <a:rPr lang="en-US" altLang="zh-CN" dirty="0" smtClean="0"/>
+              <a:t>Speech </a:t>
+            </a:r>
+            <a:r>
+              <a:rPr lang="en-US" altLang="zh-CN" dirty="0" smtClean="0"/>
+              <a:t>TTS/SR service deployment is based on Docker/ Kubernetes: (a) create a cluster, b) helm chart deploy </a:t>
+            </a:r>
+            <a:r>
+              <a:rPr lang="en-US" altLang="zh-CN" dirty="0" smtClean="0"/>
+              <a:t>Dockers).</a:t>
+            </a:r>
+            <a:endParaRPr lang="en-US" altLang="zh-CN" dirty="0" smtClean="0"/>
+          </a:p>
+          <a:p>
+            <a:r>
+              <a:rPr lang="en-US" altLang="zh-CN" dirty="0" smtClean="0"/>
+              <a:t>Speech recognize/synthesis services today can operate without GPU, but next-gen models are much more computation-intensive.</a:t>
+            </a:r>
+          </a:p>
+          <a:p>
+            <a:endParaRPr lang="zh-CN" altLang="en-US" dirty="0"/>
+          </a:p>
+        </p:txBody>
+      </p:sp>
+    </p:spTree>
+    <p:extLst>
+      <p:ext uri="{BB962C8B-B14F-4D97-AF65-F5344CB8AC3E}">
+        <p14:creationId xmlns:p14="http://schemas.microsoft.com/office/powerpoint/2010/main" val="3582483083"/>
+      </p:ext>
+    </p:extLst>
+  </p:cSld>
+  <p:clrMapOvr>
+    <a:masterClrMapping/>
+  </p:clrMapOvr>
+</p:sld>
+</file>
+
+<file path=ppt/slides/slide15.xml><?xml version="1.0" encoding="utf-8"?>
+<p:sld xmlns:a="http://schemas.openxmlformats.org/drawingml/2006/main" xmlns:r="http://schemas.openxmlformats.org/officeDocument/2006/relationships" xmlns:p="http://schemas.openxmlformats.org/presentationml/2006/main">
+  <p:cSld>
+    <p:spTree>
+      <p:nvGrpSpPr>
+        <p:cNvPr id="1" name=""/>
+        <p:cNvGrpSpPr/>
+        <p:nvPr/>
+      </p:nvGrpSpPr>
+      <p:grpSpPr>
+        <a:xfrm>
+          <a:off x="0" y="0"/>
+          <a:ext cx="0" cy="0"/>
+          <a:chOff x="0" y="0"/>
+          <a:chExt cx="0" cy="0"/>
+        </a:xfrm>
+      </p:grpSpPr>
+      <p:sp>
+        <p:nvSpPr>
+          <p:cNvPr id="2" name="Title 1"/>
+          <p:cNvSpPr>
+            <a:spLocks noGrp="1"/>
+          </p:cNvSpPr>
+          <p:nvPr>
+            <p:ph type="title"/>
+          </p:nvPr>
+        </p:nvSpPr>
+        <p:spPr/>
+        <p:txBody>
+          <a:bodyPr/>
+          <a:lstStyle/>
+          <a:p>
+            <a:r>
+              <a:rPr lang="en-US" altLang="zh-CN" dirty="0" smtClean="0"/>
+              <a:t>Conclusion</a:t>
+            </a:r>
+            <a:endParaRPr lang="zh-CN" altLang="en-US" dirty="0"/>
+          </a:p>
+        </p:txBody>
+      </p:sp>
+      <p:sp>
+        <p:nvSpPr>
+          <p:cNvPr id="3" name="Content Placeholder 2"/>
+          <p:cNvSpPr>
+            <a:spLocks noGrp="1"/>
+          </p:cNvSpPr>
+          <p:nvPr>
+            <p:ph idx="1"/>
+          </p:nvPr>
+        </p:nvSpPr>
+        <p:spPr/>
+        <p:txBody>
+          <a:bodyPr/>
+          <a:lstStyle/>
+          <a:p>
+            <a:r>
+              <a:rPr lang="en-US" altLang="zh-CN" dirty="0" smtClean="0"/>
+              <a:t>Time-insensitive inferencing is okay </a:t>
+            </a:r>
+            <a:r>
+              <a:rPr lang="en-US" altLang="zh-CN" dirty="0" smtClean="0"/>
+              <a:t>on </a:t>
+            </a:r>
+            <a:r>
+              <a:rPr lang="en-US" altLang="zh-CN" dirty="0" err="1" smtClean="0"/>
+              <a:t>AzS</a:t>
+            </a:r>
+            <a:r>
+              <a:rPr lang="en-US" altLang="zh-CN" dirty="0" smtClean="0"/>
+              <a:t> as of today.</a:t>
+            </a:r>
+          </a:p>
+          <a:p>
+            <a:r>
+              <a:rPr lang="en-US" altLang="zh-CN" dirty="0" smtClean="0"/>
+              <a:t>Going forward K8s and GPU are the keys.</a:t>
+            </a:r>
+            <a:endParaRPr lang="zh-CN" altLang="en-US" dirty="0"/>
+          </a:p>
+        </p:txBody>
+      </p:sp>
+    </p:spTree>
+    <p:extLst>
+      <p:ext uri="{BB962C8B-B14F-4D97-AF65-F5344CB8AC3E}">
+        <p14:creationId xmlns:p14="http://schemas.microsoft.com/office/powerpoint/2010/main" val="2781634031"/>
+      </p:ext>
+    </p:extLst>
+  </p:cSld>
+  <p:clrMapOvr>
+    <a:masterClrMapping/>
+  </p:clrMapOvr>
+</p:sld>
+</file>
+
+<file path=ppt/slides/slide2.xml><?xml version="1.0" encoding="utf-8"?>
+<p:sld xmlns:a="http://schemas.openxmlformats.org/drawingml/2006/main" xmlns:r="http://schemas.openxmlformats.org/officeDocument/2006/relationships" xmlns:p="http://schemas.openxmlformats.org/presentationml/2006/main">
+  <p:cSld>
+    <p:spTree>
+      <p:nvGrpSpPr>
+        <p:cNvPr id="1" name=""/>
+        <p:cNvGrpSpPr/>
+        <p:nvPr/>
+      </p:nvGrpSpPr>
+      <p:grpSpPr>
+        <a:xfrm>
+          <a:off x="0" y="0"/>
+          <a:ext cx="0" cy="0"/>
+          <a:chOff x="0" y="0"/>
+          <a:chExt cx="0" cy="0"/>
+        </a:xfrm>
+      </p:grpSpPr>
+      <p:sp>
+        <p:nvSpPr>
+          <p:cNvPr id="2" name="Title 1"/>
+          <p:cNvSpPr>
+            <a:spLocks noGrp="1"/>
+          </p:cNvSpPr>
+          <p:nvPr>
+            <p:ph type="title"/>
+          </p:nvPr>
+        </p:nvSpPr>
+        <p:spPr/>
+        <p:txBody>
+          <a:bodyPr/>
+          <a:lstStyle/>
+          <a:p>
+            <a:r>
+              <a:rPr lang="en-US" altLang="zh-CN" dirty="0" smtClean="0"/>
+              <a:t>Agenda</a:t>
+            </a:r>
+            <a:endParaRPr lang="zh-CN" altLang="en-US" dirty="0"/>
+          </a:p>
+        </p:txBody>
+      </p:sp>
+      <p:sp>
+        <p:nvSpPr>
+          <p:cNvPr id="3" name="Content Placeholder 2"/>
+          <p:cNvSpPr>
+            <a:spLocks noGrp="1"/>
+          </p:cNvSpPr>
+          <p:nvPr>
+            <p:ph idx="1"/>
+          </p:nvPr>
+        </p:nvSpPr>
+        <p:spPr/>
+        <p:txBody>
+          <a:bodyPr/>
+          <a:lstStyle/>
+          <a:p>
+            <a:r>
+              <a:rPr lang="en-US" altLang="zh-CN" dirty="0" smtClean="0"/>
+              <a:t>Industry &amp; Scenarios</a:t>
+            </a:r>
+            <a:endParaRPr lang="zh-CN" altLang="en-US" dirty="0" smtClean="0"/>
+          </a:p>
+          <a:p>
+            <a:r>
+              <a:rPr lang="en-US" altLang="zh-CN" dirty="0" smtClean="0"/>
+              <a:t>Data</a:t>
+            </a:r>
+          </a:p>
+          <a:p>
+            <a:r>
+              <a:rPr lang="en-US" altLang="zh-CN" dirty="0" smtClean="0"/>
+              <a:t>Models</a:t>
+            </a:r>
+          </a:p>
+          <a:p>
+            <a:r>
+              <a:rPr lang="en-US" altLang="zh-CN" dirty="0" smtClean="0"/>
+              <a:t>Operationalization &amp; Tooling</a:t>
+            </a:r>
+          </a:p>
+        </p:txBody>
+      </p:sp>
+      <p:sp>
+        <p:nvSpPr>
+          <p:cNvPr id="4" name="Oval 3"/>
+          <p:cNvSpPr/>
+          <p:nvPr/>
+        </p:nvSpPr>
+        <p:spPr>
+          <a:xfrm>
+            <a:off x="8190524" y="2696307"/>
+            <a:ext cx="1375507" cy="1383324"/>
+          </a:xfrm>
+          <a:prstGeom prst="ellipse">
+            <a:avLst/>
+          </a:prstGeom>
+        </p:spPr>
+        <p:style>
+          <a:lnRef idx="0">
+            <a:schemeClr val="dk1"/>
+          </a:lnRef>
+          <a:fillRef idx="3">
+            <a:schemeClr val="dk1"/>
+          </a:fillRef>
+          <a:effectRef idx="3">
+            <a:schemeClr val="dk1"/>
+          </a:effectRef>
+          <a:fontRef idx="minor">
+            <a:schemeClr val="lt1"/>
+          </a:fontRef>
+        </p:style>
+        <p:txBody>
+          <a:bodyPr rtlCol="0" anchor="ctr"/>
+          <a:lstStyle/>
+          <a:p>
+            <a:pPr algn="ctr"/>
+            <a:r>
+              <a:rPr lang="en-US" altLang="zh-CN" sz="4400" dirty="0" smtClean="0"/>
+              <a:t>AI</a:t>
+            </a:r>
+            <a:endParaRPr lang="zh-CN" altLang="en-US" sz="4400" dirty="0"/>
+          </a:p>
+        </p:txBody>
+      </p:sp>
+      <p:sp>
+        <p:nvSpPr>
+          <p:cNvPr id="5" name="Rectangle 4"/>
+          <p:cNvSpPr/>
+          <p:nvPr/>
+        </p:nvSpPr>
+        <p:spPr>
+          <a:xfrm>
+            <a:off x="5957653" y="1583347"/>
+            <a:ext cx="1922585" cy="836247"/>
+          </a:xfrm>
+          <a:prstGeom prst="rect">
+            <a:avLst/>
+          </a:prstGeom>
+        </p:spPr>
+        <p:style>
+          <a:lnRef idx="0">
+            <a:schemeClr val="accent2"/>
+          </a:lnRef>
+          <a:fillRef idx="3">
+            <a:schemeClr val="accent2"/>
+          </a:fillRef>
+          <a:effectRef idx="3">
+            <a:schemeClr val="accent2"/>
+          </a:effectRef>
+          <a:fontRef idx="minor">
+            <a:schemeClr val="lt1"/>
+          </a:fontRef>
+        </p:style>
+        <p:txBody>
+          <a:bodyPr rtlCol="0" anchor="ctr"/>
+          <a:lstStyle/>
+          <a:p>
+            <a:pPr algn="ctr"/>
+            <a:r>
+              <a:rPr lang="en-US" altLang="zh-CN" dirty="0" smtClean="0"/>
+              <a:t>Industry &amp; Scenarios</a:t>
+            </a:r>
+            <a:endParaRPr lang="zh-CN" altLang="en-US" dirty="0" smtClean="0"/>
+          </a:p>
+        </p:txBody>
+      </p:sp>
+      <p:sp>
+        <p:nvSpPr>
+          <p:cNvPr id="6" name="Rectangle 5"/>
+          <p:cNvSpPr/>
+          <p:nvPr/>
+        </p:nvSpPr>
+        <p:spPr>
+          <a:xfrm>
+            <a:off x="9866571" y="1583347"/>
+            <a:ext cx="1922585" cy="836247"/>
+          </a:xfrm>
+          <a:prstGeom prst="rect">
+            <a:avLst/>
+          </a:prstGeom>
+        </p:spPr>
+        <p:style>
+          <a:lnRef idx="0">
+            <a:schemeClr val="accent5"/>
+          </a:lnRef>
+          <a:fillRef idx="3">
+            <a:schemeClr val="accent5"/>
+          </a:fillRef>
+          <a:effectRef idx="3">
+            <a:schemeClr val="accent5"/>
+          </a:effectRef>
+          <a:fontRef idx="minor">
+            <a:schemeClr val="lt1"/>
+          </a:fontRef>
+        </p:style>
+        <p:txBody>
+          <a:bodyPr rtlCol="0" anchor="ctr"/>
+          <a:lstStyle/>
+          <a:p>
+            <a:pPr algn="ctr"/>
+            <a:r>
+              <a:rPr lang="en-US" altLang="zh-CN" dirty="0" smtClean="0"/>
+              <a:t>Data</a:t>
+            </a:r>
+            <a:endParaRPr lang="zh-CN" altLang="en-US" dirty="0" smtClean="0"/>
+          </a:p>
+        </p:txBody>
+      </p:sp>
+      <p:sp>
+        <p:nvSpPr>
+          <p:cNvPr id="7" name="Rectangle 6"/>
+          <p:cNvSpPr/>
+          <p:nvPr/>
+        </p:nvSpPr>
+        <p:spPr>
+          <a:xfrm>
+            <a:off x="6015884" y="4456926"/>
+            <a:ext cx="1922585" cy="836247"/>
+          </a:xfrm>
+          <a:prstGeom prst="rect">
+            <a:avLst/>
+          </a:prstGeom>
+        </p:spPr>
+        <p:style>
+          <a:lnRef idx="0">
+            <a:schemeClr val="accent6"/>
+          </a:lnRef>
+          <a:fillRef idx="3">
+            <a:schemeClr val="accent6"/>
+          </a:fillRef>
+          <a:effectRef idx="3">
+            <a:schemeClr val="accent6"/>
+          </a:effectRef>
+          <a:fontRef idx="minor">
+            <a:schemeClr val="lt1"/>
+          </a:fontRef>
+        </p:style>
+        <p:txBody>
+          <a:bodyPr rtlCol="0" anchor="ctr"/>
+          <a:lstStyle/>
+          <a:p>
+            <a:pPr algn="ctr"/>
+            <a:r>
+              <a:rPr lang="en-US" altLang="zh-CN" dirty="0" smtClean="0"/>
+              <a:t>Models</a:t>
+            </a:r>
+            <a:endParaRPr lang="zh-CN" altLang="en-US" dirty="0" smtClean="0"/>
+          </a:p>
+        </p:txBody>
+      </p:sp>
+      <p:sp>
+        <p:nvSpPr>
+          <p:cNvPr id="8" name="Rectangle 7"/>
+          <p:cNvSpPr/>
+          <p:nvPr/>
+        </p:nvSpPr>
+        <p:spPr>
+          <a:xfrm>
+            <a:off x="9866572" y="4456926"/>
+            <a:ext cx="1922585" cy="836247"/>
+          </a:xfrm>
+          <a:prstGeom prst="rect">
+            <a:avLst/>
+          </a:prstGeom>
+        </p:spPr>
+        <p:style>
+          <a:lnRef idx="0">
+            <a:schemeClr val="accent4"/>
+          </a:lnRef>
+          <a:fillRef idx="3">
+            <a:schemeClr val="accent4"/>
+          </a:fillRef>
+          <a:effectRef idx="3">
+            <a:schemeClr val="accent4"/>
+          </a:effectRef>
+          <a:fontRef idx="minor">
+            <a:schemeClr val="lt1"/>
+          </a:fontRef>
+        </p:style>
+        <p:txBody>
+          <a:bodyPr rtlCol="0" anchor="ctr"/>
+          <a:lstStyle/>
+          <a:p>
+            <a:pPr algn="ctr"/>
+            <a:r>
+              <a:rPr lang="en-US" altLang="zh-CN" sz="1600" dirty="0" smtClean="0"/>
+              <a:t>Operationalization &amp; Tooling</a:t>
+            </a:r>
+          </a:p>
+        </p:txBody>
+      </p:sp>
+      <p:sp>
+        <p:nvSpPr>
+          <p:cNvPr id="14" name="Right Arrow 13"/>
+          <p:cNvSpPr/>
+          <p:nvPr/>
+        </p:nvSpPr>
+        <p:spPr>
+          <a:xfrm rot="2786814">
+            <a:off x="7780283" y="2504765"/>
+            <a:ext cx="664308" cy="354357"/>
+          </a:xfrm>
+          <a:prstGeom prst="rightArrow">
+            <a:avLst/>
+          </a:prstGeom>
+        </p:spPr>
+        <p:style>
+          <a:lnRef idx="2">
+            <a:schemeClr val="accent1">
+              <a:shade val="50000"/>
+            </a:schemeClr>
+          </a:lnRef>
+          <a:fillRef idx="1">
+            <a:schemeClr val="accent1"/>
+          </a:fillRef>
+          <a:effectRef idx="0">
+            <a:schemeClr val="accent1"/>
+          </a:effectRef>
+          <a:fontRef idx="minor">
+            <a:schemeClr val="lt1"/>
+          </a:fontRef>
+        </p:style>
+        <p:txBody>
+          <a:bodyPr rtlCol="0" anchor="ctr"/>
+          <a:lstStyle/>
+          <a:p>
+            <a:pPr algn="ctr"/>
+            <a:endParaRPr lang="zh-CN" altLang="en-US"/>
+          </a:p>
+        </p:txBody>
+      </p:sp>
+      <p:sp>
+        <p:nvSpPr>
+          <p:cNvPr id="15" name="Right Arrow 14"/>
+          <p:cNvSpPr/>
+          <p:nvPr/>
+        </p:nvSpPr>
+        <p:spPr>
+          <a:xfrm rot="18734351">
+            <a:off x="7864435" y="4022176"/>
+            <a:ext cx="664308" cy="354357"/>
+          </a:xfrm>
+          <a:prstGeom prst="rightArrow">
+            <a:avLst/>
+          </a:prstGeom>
+        </p:spPr>
+        <p:style>
+          <a:lnRef idx="2">
+            <a:schemeClr val="accent1">
+              <a:shade val="50000"/>
+            </a:schemeClr>
+          </a:lnRef>
+          <a:fillRef idx="1">
+            <a:schemeClr val="accent1"/>
+          </a:fillRef>
+          <a:effectRef idx="0">
+            <a:schemeClr val="accent1"/>
+          </a:effectRef>
+          <a:fontRef idx="minor">
+            <a:schemeClr val="lt1"/>
+          </a:fontRef>
+        </p:style>
+        <p:txBody>
+          <a:bodyPr rtlCol="0" anchor="ctr"/>
+          <a:lstStyle/>
+          <a:p>
+            <a:pPr algn="ctr"/>
+            <a:endParaRPr lang="zh-CN" altLang="en-US"/>
+          </a:p>
+        </p:txBody>
+      </p:sp>
+      <p:sp>
+        <p:nvSpPr>
+          <p:cNvPr id="16" name="Right Arrow 15"/>
+          <p:cNvSpPr/>
+          <p:nvPr/>
+        </p:nvSpPr>
+        <p:spPr>
+          <a:xfrm rot="7945348">
+            <a:off x="9299808" y="2511314"/>
+            <a:ext cx="664308" cy="354357"/>
+          </a:xfrm>
+          <a:prstGeom prst="rightArrow">
+            <a:avLst/>
+          </a:prstGeom>
+        </p:spPr>
+        <p:style>
+          <a:lnRef idx="2">
+            <a:schemeClr val="accent1">
+              <a:shade val="50000"/>
+            </a:schemeClr>
+          </a:lnRef>
+          <a:fillRef idx="1">
+            <a:schemeClr val="accent1"/>
+          </a:fillRef>
+          <a:effectRef idx="0">
+            <a:schemeClr val="accent1"/>
+          </a:effectRef>
+          <a:fontRef idx="minor">
+            <a:schemeClr val="lt1"/>
+          </a:fontRef>
+        </p:style>
+        <p:txBody>
+          <a:bodyPr rtlCol="0" anchor="ctr"/>
+          <a:lstStyle/>
+          <a:p>
+            <a:pPr algn="ctr"/>
+            <a:endParaRPr lang="zh-CN" altLang="en-US"/>
+          </a:p>
+        </p:txBody>
+      </p:sp>
+      <p:sp>
+        <p:nvSpPr>
+          <p:cNvPr id="17" name="Right Arrow 16"/>
+          <p:cNvSpPr/>
+          <p:nvPr/>
+        </p:nvSpPr>
+        <p:spPr>
+          <a:xfrm rot="13371583">
+            <a:off x="9240759" y="4031129"/>
+            <a:ext cx="664308" cy="354357"/>
+          </a:xfrm>
+          <a:prstGeom prst="rightArrow">
+            <a:avLst/>
+          </a:prstGeom>
+        </p:spPr>
+        <p:style>
+          <a:lnRef idx="2">
+            <a:schemeClr val="accent1">
+              <a:shade val="50000"/>
+            </a:schemeClr>
+          </a:lnRef>
+          <a:fillRef idx="1">
+            <a:schemeClr val="accent1"/>
+          </a:fillRef>
+          <a:effectRef idx="0">
+            <a:schemeClr val="accent1"/>
+          </a:effectRef>
+          <a:fontRef idx="minor">
+            <a:schemeClr val="lt1"/>
+          </a:fontRef>
+        </p:style>
+        <p:txBody>
+          <a:bodyPr rtlCol="0" anchor="ctr"/>
+          <a:lstStyle/>
+          <a:p>
+            <a:pPr algn="ctr"/>
+            <a:endParaRPr lang="zh-CN" altLang="en-US"/>
+          </a:p>
+        </p:txBody>
+      </p:sp>
+    </p:spTree>
+    <p:extLst>
+      <p:ext uri="{BB962C8B-B14F-4D97-AF65-F5344CB8AC3E}">
+        <p14:creationId xmlns:p14="http://schemas.microsoft.com/office/powerpoint/2010/main" val="1614287008"/>
+      </p:ext>
+    </p:extLst>
+  </p:cSld>
+  <p:clrMapOvr>
+    <a:masterClrMapping/>
+  </p:clrMapOvr>
+</p:sld>
+</file>
+
+<file path=ppt/slides/slide3.xml><?xml version="1.0" encoding="utf-8"?>
+<p:sld xmlns:a="http://schemas.openxmlformats.org/drawingml/2006/main" xmlns:r="http://schemas.openxmlformats.org/officeDocument/2006/relationships" xmlns:p="http://schemas.openxmlformats.org/presentationml/2006/main">
+  <p:cSld>
+    <p:spTree>
+      <p:nvGrpSpPr>
+        <p:cNvPr id="1" name=""/>
+        <p:cNvGrpSpPr/>
+        <p:nvPr/>
+      </p:nvGrpSpPr>
+      <p:grpSpPr>
+        <a:xfrm>
+          <a:off x="0" y="0"/>
+          <a:ext cx="0" cy="0"/>
+          <a:chOff x="0" y="0"/>
+          <a:chExt cx="0" cy="0"/>
+        </a:xfrm>
+      </p:grpSpPr>
+      <p:sp>
+        <p:nvSpPr>
+          <p:cNvPr id="2" name="Title 1"/>
+          <p:cNvSpPr>
+            <a:spLocks noGrp="1"/>
+          </p:cNvSpPr>
+          <p:nvPr>
+            <p:ph type="title"/>
+          </p:nvPr>
+        </p:nvSpPr>
+        <p:spPr/>
+        <p:txBody>
+          <a:bodyPr/>
+          <a:lstStyle/>
+          <a:p>
+            <a:r>
+              <a:rPr lang="en-US" altLang="zh-CN" dirty="0"/>
+              <a:t>Industry &amp; </a:t>
+            </a:r>
+            <a:r>
+              <a:rPr lang="en-US" altLang="zh-CN" dirty="0" smtClean="0"/>
+              <a:t>Scenarios</a:t>
+            </a:r>
+            <a:endParaRPr lang="zh-CN" altLang="en-US" dirty="0"/>
+          </a:p>
+        </p:txBody>
+      </p:sp>
+      <p:sp>
+        <p:nvSpPr>
+          <p:cNvPr id="3" name="Content Placeholder 2"/>
+          <p:cNvSpPr>
+            <a:spLocks noGrp="1"/>
+          </p:cNvSpPr>
+          <p:nvPr>
+            <p:ph idx="1"/>
+          </p:nvPr>
+        </p:nvSpPr>
+        <p:spPr/>
+        <p:txBody>
+          <a:bodyPr>
+            <a:normAutofit lnSpcReduction="10000"/>
+          </a:bodyPr>
+          <a:lstStyle/>
+          <a:p>
+            <a:r>
+              <a:rPr lang="en-US" altLang="zh-CN" dirty="0"/>
+              <a:t>Speech team is providing TTS/SR capacity to </a:t>
+            </a:r>
+            <a:r>
+              <a:rPr lang="en-US" altLang="zh-CN" dirty="0" smtClean="0"/>
+              <a:t>China Mobile(</a:t>
+            </a:r>
+            <a:r>
+              <a:rPr lang="zh-CN" altLang="en-US" dirty="0" smtClean="0"/>
+              <a:t>中移动</a:t>
+            </a:r>
+            <a:r>
+              <a:rPr lang="en-US" altLang="zh-CN" dirty="0" smtClean="0"/>
+              <a:t>) and state-owned banks, they’re interested in delivering apps on </a:t>
+            </a:r>
+            <a:r>
+              <a:rPr lang="en-US" altLang="zh-CN" dirty="0" err="1" smtClean="0"/>
+              <a:t>AzS</a:t>
+            </a:r>
+            <a:r>
+              <a:rPr lang="en-US" altLang="zh-CN" dirty="0" smtClean="0"/>
+              <a:t>.</a:t>
+            </a:r>
+          </a:p>
+          <a:p>
+            <a:r>
+              <a:rPr lang="en-US" altLang="zh-CN" dirty="0" smtClean="0"/>
+              <a:t>Customers interested in </a:t>
+            </a:r>
+            <a:r>
+              <a:rPr lang="en-US" altLang="zh-CN" dirty="0" err="1" smtClean="0"/>
+              <a:t>AzS</a:t>
+            </a:r>
+            <a:r>
+              <a:rPr lang="en-US" altLang="zh-CN" dirty="0" smtClean="0"/>
+              <a:t>:</a:t>
+            </a:r>
+          </a:p>
+          <a:p>
+            <a:pPr lvl="1"/>
+            <a:r>
+              <a:rPr lang="en-US" altLang="zh-CN" dirty="0" err="1"/>
+              <a:t>Supcon</a:t>
+            </a:r>
+            <a:r>
+              <a:rPr lang="en-US" altLang="zh-CN" dirty="0"/>
+              <a:t>(</a:t>
+            </a:r>
+            <a:r>
+              <a:rPr lang="zh-CN" altLang="zh-CN" dirty="0"/>
+              <a:t>中控</a:t>
+            </a:r>
+            <a:r>
+              <a:rPr lang="en-US" altLang="zh-CN" dirty="0"/>
+              <a:t> - Leading supplier of </a:t>
+            </a:r>
+            <a:r>
+              <a:rPr lang="en-US" altLang="zh-CN" i="1" dirty="0"/>
+              <a:t>automation</a:t>
+            </a:r>
+            <a:r>
+              <a:rPr lang="en-US" altLang="zh-CN" dirty="0"/>
+              <a:t> and information technology, products and solutions), </a:t>
+            </a:r>
+            <a:endParaRPr lang="zh-CN" altLang="zh-CN" sz="2800" dirty="0"/>
+          </a:p>
+          <a:p>
+            <a:pPr lvl="1"/>
+            <a:r>
+              <a:rPr lang="en-US" altLang="zh-CN" dirty="0" err="1"/>
+              <a:t>Uniview</a:t>
+            </a:r>
+            <a:r>
+              <a:rPr lang="en-US" altLang="zh-CN" dirty="0"/>
+              <a:t>(</a:t>
+            </a:r>
+            <a:r>
+              <a:rPr lang="zh-CN" altLang="zh-CN" dirty="0"/>
+              <a:t>宇视</a:t>
+            </a:r>
+            <a:r>
+              <a:rPr lang="en-US" altLang="zh-CN" dirty="0"/>
+              <a:t> - Leading </a:t>
+            </a:r>
+            <a:r>
+              <a:rPr lang="en-US" altLang="zh-CN" dirty="0" smtClean="0"/>
+              <a:t>public </a:t>
+            </a:r>
+            <a:r>
+              <a:rPr lang="en-US" altLang="zh-CN" dirty="0"/>
+              <a:t>safety and </a:t>
+            </a:r>
+            <a:r>
+              <a:rPr lang="en-US" altLang="zh-CN" i="1" dirty="0"/>
+              <a:t>intelligent transportation</a:t>
+            </a:r>
+            <a:r>
+              <a:rPr lang="en-US" altLang="zh-CN" dirty="0"/>
+              <a:t> </a:t>
+            </a:r>
+            <a:r>
+              <a:rPr lang="en-US" altLang="zh-CN" dirty="0" smtClean="0"/>
+              <a:t>solutions </a:t>
+            </a:r>
+            <a:r>
+              <a:rPr lang="en-US" altLang="zh-CN" dirty="0"/>
+              <a:t>provider</a:t>
+            </a:r>
+            <a:r>
+              <a:rPr lang="en-US" altLang="zh-CN" dirty="0" smtClean="0"/>
+              <a:t>), </a:t>
+            </a:r>
+            <a:endParaRPr lang="zh-CN" altLang="zh-CN" sz="2800" dirty="0"/>
+          </a:p>
+          <a:p>
+            <a:pPr lvl="1"/>
+            <a:r>
+              <a:rPr lang="en-US" altLang="zh-CN" dirty="0" err="1"/>
+              <a:t>Hikvision</a:t>
+            </a:r>
+            <a:r>
+              <a:rPr lang="en-US" altLang="zh-CN" dirty="0"/>
+              <a:t>(</a:t>
+            </a:r>
+            <a:r>
+              <a:rPr lang="zh-CN" altLang="zh-CN" dirty="0"/>
+              <a:t>海康</a:t>
+            </a:r>
+            <a:r>
+              <a:rPr lang="en-US" altLang="zh-CN" dirty="0"/>
+              <a:t> - Leading </a:t>
+            </a:r>
+            <a:r>
+              <a:rPr lang="en-US" altLang="zh-CN" i="1" dirty="0" smtClean="0"/>
+              <a:t>video-centric </a:t>
+            </a:r>
+            <a:r>
+              <a:rPr lang="en-US" altLang="zh-CN" i="1" dirty="0"/>
+              <a:t>Internet of Things</a:t>
+            </a:r>
+            <a:r>
+              <a:rPr lang="en-US" altLang="zh-CN" dirty="0"/>
+              <a:t> </a:t>
+            </a:r>
+            <a:r>
+              <a:rPr lang="en-US" altLang="zh-CN" dirty="0" smtClean="0"/>
+              <a:t>solutions provider, </a:t>
+            </a:r>
+            <a:r>
+              <a:rPr lang="en-US" altLang="zh-CN" dirty="0"/>
+              <a:t>provides global security, visualization management, and big data services),</a:t>
+            </a:r>
+            <a:endParaRPr lang="zh-CN" altLang="zh-CN" sz="2800" dirty="0"/>
+          </a:p>
+          <a:p>
+            <a:pPr lvl="1"/>
+            <a:r>
+              <a:rPr lang="en-US" altLang="zh-CN" dirty="0" err="1"/>
+              <a:t>Dahua</a:t>
+            </a:r>
+            <a:r>
+              <a:rPr lang="en-US" altLang="zh-CN" dirty="0"/>
+              <a:t>(</a:t>
+            </a:r>
+            <a:r>
+              <a:rPr lang="zh-CN" altLang="zh-CN" dirty="0"/>
+              <a:t>大华</a:t>
+            </a:r>
+            <a:r>
+              <a:rPr lang="en-US" altLang="zh-CN" dirty="0"/>
+              <a:t> - Leading </a:t>
+            </a:r>
+            <a:r>
+              <a:rPr lang="en-US" altLang="zh-CN" i="1" dirty="0" smtClean="0"/>
+              <a:t>Surveillance</a:t>
+            </a:r>
+            <a:r>
+              <a:rPr lang="en-US" altLang="zh-CN" dirty="0" smtClean="0"/>
+              <a:t> </a:t>
+            </a:r>
+            <a:r>
+              <a:rPr lang="en-US" altLang="zh-CN" dirty="0"/>
+              <a:t>p</a:t>
+            </a:r>
+            <a:r>
+              <a:rPr lang="en-US" altLang="zh-CN" dirty="0" smtClean="0"/>
+              <a:t>roduct and solution provider) </a:t>
+            </a:r>
+            <a:r>
+              <a:rPr lang="en-US" altLang="zh-CN" dirty="0"/>
+              <a:t>.</a:t>
+            </a:r>
+            <a:endParaRPr lang="zh-CN" altLang="zh-CN" sz="2800" dirty="0"/>
+          </a:p>
+          <a:p>
+            <a:pPr lvl="1"/>
+            <a:endParaRPr lang="en-US" altLang="zh-CN" dirty="0"/>
+          </a:p>
+          <a:p>
+            <a:endParaRPr lang="zh-CN" altLang="en-US" dirty="0"/>
+          </a:p>
+        </p:txBody>
+      </p:sp>
+    </p:spTree>
+    <p:extLst>
+      <p:ext uri="{BB962C8B-B14F-4D97-AF65-F5344CB8AC3E}">
+        <p14:creationId xmlns:p14="http://schemas.microsoft.com/office/powerpoint/2010/main" val="957758662"/>
+      </p:ext>
+    </p:extLst>
+  </p:cSld>
+  <p:clrMapOvr>
+    <a:masterClrMapping/>
+  </p:clrMapOvr>
+</p:sld>
+</file>
+
+<file path=ppt/slides/slide4.xml><?xml version="1.0" encoding="utf-8"?>
+<p:sld xmlns:a="http://schemas.openxmlformats.org/drawingml/2006/main" xmlns:r="http://schemas.openxmlformats.org/officeDocument/2006/relationships" xmlns:p="http://schemas.openxmlformats.org/presentationml/2006/main">
+  <p:cSld>
+    <p:spTree>
+      <p:nvGrpSpPr>
+        <p:cNvPr id="1" name=""/>
+        <p:cNvGrpSpPr/>
+        <p:nvPr/>
+      </p:nvGrpSpPr>
+      <p:grpSpPr>
+        <a:xfrm>
+          <a:off x="0" y="0"/>
+          <a:ext cx="0" cy="0"/>
+          <a:chOff x="0" y="0"/>
+          <a:chExt cx="0" cy="0"/>
+        </a:xfrm>
+      </p:grpSpPr>
+      <p:sp>
+        <p:nvSpPr>
+          <p:cNvPr id="2" name="Title 1"/>
+          <p:cNvSpPr>
+            <a:spLocks noGrp="1"/>
+          </p:cNvSpPr>
+          <p:nvPr>
+            <p:ph type="title"/>
+          </p:nvPr>
+        </p:nvSpPr>
+        <p:spPr/>
+        <p:txBody>
+          <a:bodyPr/>
+          <a:lstStyle/>
+          <a:p>
+            <a:r>
+              <a:rPr lang="en-US" altLang="zh-CN" dirty="0" smtClean="0"/>
+              <a:t>Data</a:t>
+            </a:r>
+            <a:endParaRPr lang="zh-CN" altLang="en-US" dirty="0"/>
+          </a:p>
+        </p:txBody>
+      </p:sp>
+      <p:sp>
+        <p:nvSpPr>
+          <p:cNvPr id="3" name="Content Placeholder 2"/>
+          <p:cNvSpPr>
+            <a:spLocks noGrp="1"/>
+          </p:cNvSpPr>
+          <p:nvPr>
+            <p:ph idx="1"/>
+          </p:nvPr>
+        </p:nvSpPr>
+        <p:spPr>
+          <a:xfrm>
+            <a:off x="838200" y="1825625"/>
+            <a:ext cx="5757985" cy="4351338"/>
+          </a:xfrm>
+        </p:spPr>
+        <p:txBody>
+          <a:bodyPr/>
+          <a:lstStyle/>
+          <a:p>
+            <a:r>
+              <a:rPr lang="en-US" altLang="zh-CN" dirty="0" err="1" smtClean="0"/>
+              <a:t>IoT</a:t>
+            </a:r>
+            <a:r>
+              <a:rPr lang="en-US" altLang="zh-CN" dirty="0" smtClean="0"/>
+              <a:t> -&gt; connectivity -&gt; Data</a:t>
+            </a:r>
+          </a:p>
+          <a:p>
+            <a:r>
+              <a:rPr lang="en-US" altLang="zh-CN" dirty="0" smtClean="0"/>
+              <a:t>Videos + images = 85% data</a:t>
+            </a:r>
+          </a:p>
+          <a:p>
+            <a:endParaRPr lang="en-US" altLang="zh-CN" dirty="0" smtClean="0"/>
+          </a:p>
+          <a:p>
+            <a:r>
+              <a:rPr lang="en-US" altLang="zh-CN" dirty="0" smtClean="0"/>
+              <a:t>Demo1</a:t>
+            </a:r>
+            <a:r>
+              <a:rPr lang="en-US" altLang="zh-CN" dirty="0" smtClean="0"/>
+              <a:t>: </a:t>
+            </a:r>
+            <a:endParaRPr lang="en-US" altLang="zh-CN" dirty="0" smtClean="0"/>
+          </a:p>
+          <a:p>
+            <a:pPr lvl="1"/>
+            <a:r>
+              <a:rPr lang="en-US" altLang="zh-CN" dirty="0" smtClean="0"/>
+              <a:t>Bring </a:t>
+            </a:r>
+            <a:r>
+              <a:rPr lang="en-US" altLang="zh-CN" dirty="0" smtClean="0"/>
+              <a:t>live video stream to </a:t>
+            </a:r>
+            <a:r>
+              <a:rPr lang="en-US" altLang="zh-CN" dirty="0" err="1" smtClean="0"/>
+              <a:t>AzS</a:t>
+            </a:r>
+            <a:endParaRPr lang="en-US" altLang="zh-CN" dirty="0" smtClean="0"/>
+          </a:p>
+          <a:p>
+            <a:pPr lvl="1"/>
+            <a:r>
+              <a:rPr lang="en-US" altLang="zh-CN" dirty="0" smtClean="0"/>
+              <a:t>Pose estimation &amp; recognition</a:t>
+            </a:r>
+          </a:p>
+          <a:p>
+            <a:pPr lvl="1"/>
+            <a:endParaRPr lang="en-US" altLang="zh-CN" dirty="0" smtClean="0"/>
+          </a:p>
+          <a:p>
+            <a:pPr lvl="1"/>
+            <a:endParaRPr lang="zh-CN" altLang="en-US" dirty="0"/>
+          </a:p>
+        </p:txBody>
+      </p:sp>
+      <p:pic>
+        <p:nvPicPr>
+          <p:cNvPr id="4" name="Picture 3"/>
+          <p:cNvPicPr>
+            <a:picLocks noChangeAspect="1"/>
+          </p:cNvPicPr>
+          <p:nvPr/>
+        </p:nvPicPr>
+        <p:blipFill>
+          <a:blip r:embed="rId2"/>
+          <a:stretch>
+            <a:fillRect/>
+          </a:stretch>
+        </p:blipFill>
+        <p:spPr>
+          <a:xfrm>
+            <a:off x="6279275" y="1606631"/>
+            <a:ext cx="4885388" cy="4082400"/>
+          </a:xfrm>
+          <a:prstGeom prst="rect">
+            <a:avLst/>
+          </a:prstGeom>
+        </p:spPr>
+      </p:pic>
+    </p:spTree>
+    <p:extLst>
+      <p:ext uri="{BB962C8B-B14F-4D97-AF65-F5344CB8AC3E}">
+        <p14:creationId xmlns:p14="http://schemas.microsoft.com/office/powerpoint/2010/main" val="3241308380"/>
+      </p:ext>
+    </p:extLst>
+  </p:cSld>
+  <p:clrMapOvr>
+    <a:masterClrMapping/>
+  </p:clrMapOvr>
+</p:sld>
+</file>
+
+<file path=ppt/slides/slide5.xml><?xml version="1.0" encoding="utf-8"?>
+<p:sld xmlns:a="http://schemas.openxmlformats.org/drawingml/2006/main" xmlns:r="http://schemas.openxmlformats.org/officeDocument/2006/relationships" xmlns:p="http://schemas.openxmlformats.org/presentationml/2006/main">
+  <p:cSld>
+    <p:spTree>
+      <p:nvGrpSpPr>
+        <p:cNvPr id="1" name=""/>
+        <p:cNvGrpSpPr/>
+        <p:nvPr/>
+      </p:nvGrpSpPr>
+      <p:grpSpPr>
+        <a:xfrm>
+          <a:off x="0" y="0"/>
+          <a:ext cx="0" cy="0"/>
+          <a:chOff x="0" y="0"/>
+          <a:chExt cx="0" cy="0"/>
+        </a:xfrm>
+      </p:grpSpPr>
+      <p:sp>
+        <p:nvSpPr>
+          <p:cNvPr id="2" name="Title 1"/>
+          <p:cNvSpPr>
+            <a:spLocks noGrp="1"/>
+          </p:cNvSpPr>
+          <p:nvPr>
+            <p:ph type="title"/>
+          </p:nvPr>
+        </p:nvSpPr>
+        <p:spPr/>
+        <p:txBody>
+          <a:bodyPr/>
+          <a:lstStyle/>
+          <a:p>
+            <a:r>
+              <a:rPr lang="en-US" altLang="zh-CN" dirty="0" smtClean="0"/>
+              <a:t>Models</a:t>
+            </a:r>
+            <a:endParaRPr lang="zh-CN" altLang="en-US" dirty="0"/>
+          </a:p>
+        </p:txBody>
+      </p:sp>
+      <p:sp>
+        <p:nvSpPr>
+          <p:cNvPr id="3" name="Content Placeholder 2"/>
+          <p:cNvSpPr>
+            <a:spLocks noGrp="1"/>
+          </p:cNvSpPr>
+          <p:nvPr>
+            <p:ph idx="1"/>
+          </p:nvPr>
+        </p:nvSpPr>
+        <p:spPr/>
+        <p:txBody>
+          <a:bodyPr>
+            <a:normAutofit/>
+          </a:bodyPr>
+          <a:lstStyle/>
+          <a:p>
+            <a:r>
+              <a:rPr lang="en-US" altLang="zh-CN" dirty="0" smtClean="0"/>
+              <a:t>Running Deep Learning workloads on </a:t>
+            </a:r>
+            <a:r>
+              <a:rPr lang="en-US" altLang="zh-CN" dirty="0" err="1" smtClean="0"/>
+              <a:t>AzS</a:t>
+            </a:r>
+            <a:r>
+              <a:rPr lang="en-US" altLang="zh-CN" dirty="0" smtClean="0"/>
+              <a:t>.</a:t>
+            </a:r>
+          </a:p>
+          <a:p>
+            <a:pPr lvl="1"/>
+            <a:r>
+              <a:rPr lang="en-US" altLang="zh-CN" dirty="0"/>
+              <a:t>Training in DLVM or home, inference on </a:t>
+            </a:r>
+            <a:r>
+              <a:rPr lang="en-US" altLang="zh-CN" dirty="0" err="1"/>
+              <a:t>AzS</a:t>
+            </a:r>
+            <a:r>
+              <a:rPr lang="en-US" altLang="zh-CN" dirty="0" smtClean="0"/>
+              <a:t>.</a:t>
+            </a:r>
+          </a:p>
+          <a:p>
+            <a:endParaRPr lang="en-US" altLang="zh-CN" dirty="0"/>
+          </a:p>
+          <a:p>
+            <a:r>
+              <a:rPr lang="en-US" altLang="zh-CN" dirty="0" smtClean="0"/>
+              <a:t>Demo2</a:t>
+            </a:r>
+            <a:r>
+              <a:rPr lang="en-US" altLang="zh-CN" dirty="0"/>
+              <a:t>: </a:t>
+            </a:r>
+          </a:p>
+          <a:p>
+            <a:pPr lvl="1"/>
+            <a:r>
+              <a:rPr lang="en-US" altLang="zh-CN" dirty="0" smtClean="0"/>
+              <a:t>DL models on </a:t>
+            </a:r>
+            <a:r>
+              <a:rPr lang="en-US" altLang="zh-CN" dirty="0" err="1" smtClean="0"/>
+              <a:t>AzS</a:t>
+            </a:r>
+            <a:r>
+              <a:rPr lang="en-US" altLang="zh-CN" dirty="0" smtClean="0"/>
+              <a:t>:</a:t>
+            </a:r>
+          </a:p>
+          <a:p>
+            <a:pPr lvl="2"/>
+            <a:r>
+              <a:rPr lang="en-US" altLang="zh-CN" dirty="0" smtClean="0"/>
+              <a:t>Image</a:t>
+            </a:r>
+            <a:r>
+              <a:rPr lang="en-US" altLang="zh-CN" dirty="0" smtClean="0"/>
+              <a:t>:</a:t>
+            </a:r>
+          </a:p>
+          <a:p>
+            <a:pPr lvl="3"/>
+            <a:r>
+              <a:rPr lang="en-US" altLang="zh-CN" dirty="0" smtClean="0"/>
+              <a:t>Facial expression recognition</a:t>
+            </a:r>
+            <a:endParaRPr lang="en-US" altLang="zh-CN" dirty="0" smtClean="0"/>
+          </a:p>
+          <a:p>
+            <a:pPr lvl="3"/>
+            <a:r>
+              <a:rPr lang="en-US" altLang="zh-CN" dirty="0" smtClean="0"/>
+              <a:t>Car </a:t>
+            </a:r>
+            <a:r>
+              <a:rPr lang="en-US" altLang="zh-CN" dirty="0" smtClean="0"/>
+              <a:t>recognition</a:t>
+            </a:r>
+          </a:p>
+          <a:p>
+            <a:pPr lvl="3"/>
+            <a:r>
+              <a:rPr lang="en-US" altLang="zh-CN" dirty="0"/>
+              <a:t>Chest </a:t>
+            </a:r>
+            <a:r>
+              <a:rPr lang="en-US" altLang="zh-CN" dirty="0" smtClean="0"/>
+              <a:t>X-ray</a:t>
+            </a:r>
+            <a:endParaRPr lang="en-US" altLang="zh-CN" dirty="0"/>
+          </a:p>
+          <a:p>
+            <a:pPr lvl="2"/>
+            <a:r>
+              <a:rPr lang="en-US" altLang="zh-CN" dirty="0" smtClean="0"/>
+              <a:t>Audio:</a:t>
+            </a:r>
+          </a:p>
+          <a:p>
+            <a:pPr lvl="3"/>
+            <a:r>
+              <a:rPr lang="en-US" altLang="zh-CN" dirty="0" smtClean="0"/>
+              <a:t>TTS (text to speech)</a:t>
+            </a:r>
+          </a:p>
+          <a:p>
+            <a:endParaRPr lang="zh-CN" altLang="en-US" dirty="0"/>
+          </a:p>
+        </p:txBody>
+      </p:sp>
+    </p:spTree>
+    <p:extLst>
+      <p:ext uri="{BB962C8B-B14F-4D97-AF65-F5344CB8AC3E}">
+        <p14:creationId xmlns:p14="http://schemas.microsoft.com/office/powerpoint/2010/main" val="2290176015"/>
+      </p:ext>
+    </p:extLst>
+  </p:cSld>
+  <p:clrMapOvr>
+    <a:masterClrMapping/>
+  </p:clrMapOvr>
+</p:sld>
+</file>
+
+<file path=ppt/slides/slide6.xml><?xml version="1.0" encoding="utf-8"?>
+<p:sld xmlns:a="http://schemas.openxmlformats.org/drawingml/2006/main" xmlns:r="http://schemas.openxmlformats.org/officeDocument/2006/relationships" xmlns:p="http://schemas.openxmlformats.org/presentationml/2006/main">
+  <p:cSld>
+    <p:spTree>
+      <p:nvGrpSpPr>
+        <p:cNvPr id="1" name=""/>
+        <p:cNvGrpSpPr/>
+        <p:nvPr/>
+      </p:nvGrpSpPr>
+      <p:grpSpPr>
+        <a:xfrm>
+          <a:off x="0" y="0"/>
+          <a:ext cx="0" cy="0"/>
+          <a:chOff x="0" y="0"/>
+          <a:chExt cx="0" cy="0"/>
+        </a:xfrm>
+      </p:grpSpPr>
+      <p:sp>
+        <p:nvSpPr>
+          <p:cNvPr id="2" name="Title 1"/>
+          <p:cNvSpPr>
+            <a:spLocks noGrp="1"/>
+          </p:cNvSpPr>
+          <p:nvPr>
+            <p:ph type="title"/>
+          </p:nvPr>
+        </p:nvSpPr>
+        <p:spPr/>
+        <p:txBody>
+          <a:bodyPr/>
+          <a:lstStyle/>
+          <a:p>
+            <a:r>
+              <a:rPr lang="en-US" altLang="zh-CN" dirty="0"/>
+              <a:t>Facial expression </a:t>
+            </a:r>
+            <a:r>
+              <a:rPr lang="en-US" altLang="zh-CN" dirty="0" smtClean="0"/>
+              <a:t>recognition</a:t>
+            </a:r>
+            <a:endParaRPr lang="zh-CN" altLang="en-US" dirty="0"/>
+          </a:p>
+        </p:txBody>
+      </p:sp>
+      <p:sp>
+        <p:nvSpPr>
+          <p:cNvPr id="3" name="Content Placeholder 2"/>
+          <p:cNvSpPr>
+            <a:spLocks noGrp="1"/>
+          </p:cNvSpPr>
+          <p:nvPr>
+            <p:ph idx="1"/>
+          </p:nvPr>
+        </p:nvSpPr>
+        <p:spPr/>
+        <p:txBody>
+          <a:bodyPr/>
+          <a:lstStyle/>
+          <a:p>
+            <a:r>
+              <a:rPr lang="en-US" altLang="zh-CN" dirty="0"/>
+              <a:t>FER-2013 Faces </a:t>
+            </a:r>
+            <a:r>
+              <a:rPr lang="en-US" altLang="zh-CN" dirty="0" smtClean="0"/>
+              <a:t>Database</a:t>
+            </a:r>
+          </a:p>
+          <a:p>
+            <a:r>
+              <a:rPr lang="en-US" altLang="zh-CN" dirty="0" smtClean="0"/>
+              <a:t>Fine-tune with ResNet-101.</a:t>
+            </a:r>
+          </a:p>
+          <a:p>
+            <a:r>
+              <a:rPr lang="en-US" altLang="zh-CN" dirty="0" smtClean="0"/>
+              <a:t>Test </a:t>
+            </a:r>
+            <a:r>
+              <a:rPr lang="en-US" altLang="zh-CN" dirty="0" err="1" smtClean="0"/>
+              <a:t>acc</a:t>
+            </a:r>
+            <a:r>
+              <a:rPr lang="en-US" altLang="zh-CN" dirty="0" smtClean="0"/>
+              <a:t>: </a:t>
+            </a:r>
+            <a:r>
+              <a:rPr lang="en-US" altLang="zh-CN" b="1" dirty="0">
+                <a:solidFill>
+                  <a:schemeClr val="accent6">
+                    <a:lumMod val="50000"/>
+                  </a:schemeClr>
+                </a:solidFill>
+              </a:rPr>
+              <a:t>71.22</a:t>
+            </a:r>
+            <a:r>
+              <a:rPr lang="en-US" altLang="zh-CN" b="1" dirty="0">
+                <a:solidFill>
+                  <a:schemeClr val="accent6">
+                    <a:lumMod val="50000"/>
+                  </a:schemeClr>
+                </a:solidFill>
+              </a:rPr>
+              <a:t>% </a:t>
+            </a:r>
+            <a:r>
+              <a:rPr lang="en-US" altLang="zh-CN" dirty="0" smtClean="0"/>
+              <a:t>(state-of-art).</a:t>
+            </a:r>
+            <a:endParaRPr lang="en-US" altLang="zh-CN" dirty="0"/>
+          </a:p>
+          <a:p>
+            <a:r>
+              <a:rPr lang="en-US" altLang="zh-CN" dirty="0" smtClean="0"/>
+              <a:t>Confusion matrix:</a:t>
+            </a:r>
+          </a:p>
+          <a:p>
+            <a:endParaRPr lang="zh-CN" altLang="en-US" dirty="0"/>
+          </a:p>
+        </p:txBody>
+      </p:sp>
+      <p:pic>
+        <p:nvPicPr>
+          <p:cNvPr id="4" name="Picture 3"/>
+          <p:cNvPicPr>
+            <a:picLocks noChangeAspect="1"/>
+          </p:cNvPicPr>
+          <p:nvPr/>
+        </p:nvPicPr>
+        <p:blipFill>
+          <a:blip r:embed="rId2"/>
+          <a:stretch>
+            <a:fillRect/>
+          </a:stretch>
+        </p:blipFill>
+        <p:spPr>
+          <a:xfrm>
+            <a:off x="6648450" y="1901825"/>
+            <a:ext cx="4705350" cy="4410075"/>
+          </a:xfrm>
+          <a:prstGeom prst="rect">
+            <a:avLst/>
+          </a:prstGeom>
+        </p:spPr>
+      </p:pic>
+      <p:pic>
+        <p:nvPicPr>
+          <p:cNvPr id="5" name="Picture 4"/>
+          <p:cNvPicPr>
+            <a:picLocks noChangeAspect="1"/>
+          </p:cNvPicPr>
+          <p:nvPr/>
+        </p:nvPicPr>
+        <p:blipFill>
+          <a:blip r:embed="rId3"/>
+          <a:stretch>
+            <a:fillRect/>
+          </a:stretch>
+        </p:blipFill>
+        <p:spPr>
+          <a:xfrm>
+            <a:off x="838200" y="4281366"/>
+            <a:ext cx="2227023" cy="1895597"/>
+          </a:xfrm>
+          <a:prstGeom prst="rect">
+            <a:avLst/>
+          </a:prstGeom>
+        </p:spPr>
+      </p:pic>
+      <p:pic>
+        <p:nvPicPr>
+          <p:cNvPr id="6" name="Picture 5"/>
+          <p:cNvPicPr>
+            <a:picLocks noChangeAspect="1"/>
+          </p:cNvPicPr>
+          <p:nvPr/>
+        </p:nvPicPr>
+        <p:blipFill>
+          <a:blip r:embed="rId4"/>
+          <a:stretch>
+            <a:fillRect/>
+          </a:stretch>
+        </p:blipFill>
+        <p:spPr>
+          <a:xfrm>
+            <a:off x="3312746" y="4281366"/>
+            <a:ext cx="2290885" cy="1899660"/>
+          </a:xfrm>
+          <a:prstGeom prst="rect">
+            <a:avLst/>
+          </a:prstGeom>
+        </p:spPr>
+      </p:pic>
+    </p:spTree>
+    <p:extLst>
+      <p:ext uri="{BB962C8B-B14F-4D97-AF65-F5344CB8AC3E}">
+        <p14:creationId xmlns:p14="http://schemas.microsoft.com/office/powerpoint/2010/main" val="3617770831"/>
+      </p:ext>
+    </p:extLst>
+  </p:cSld>
+  <p:clrMapOvr>
+    <a:masterClrMapping/>
+  </p:clrMapOvr>
+</p:sld>
+</file>
+
+<file path=ppt/slides/slide7.xml><?xml version="1.0" encoding="utf-8"?>
+<p:sld xmlns:a="http://schemas.openxmlformats.org/drawingml/2006/main" xmlns:r="http://schemas.openxmlformats.org/officeDocument/2006/relationships" xmlns:p="http://schemas.openxmlformats.org/presentationml/2006/main">
+  <p:cSld>
+    <p:spTree>
+      <p:nvGrpSpPr>
+        <p:cNvPr id="1" name=""/>
+        <p:cNvGrpSpPr/>
+        <p:nvPr/>
+      </p:nvGrpSpPr>
+      <p:grpSpPr>
+        <a:xfrm>
+          <a:off x="0" y="0"/>
+          <a:ext cx="0" cy="0"/>
+          <a:chOff x="0" y="0"/>
+          <a:chExt cx="0" cy="0"/>
+        </a:xfrm>
+      </p:grpSpPr>
+      <p:sp>
+        <p:nvSpPr>
+          <p:cNvPr id="2" name="Title 1"/>
+          <p:cNvSpPr>
+            <a:spLocks noGrp="1"/>
+          </p:cNvSpPr>
+          <p:nvPr>
+            <p:ph type="title"/>
+          </p:nvPr>
+        </p:nvSpPr>
+        <p:spPr/>
+        <p:txBody>
+          <a:bodyPr/>
+          <a:lstStyle/>
+          <a:p>
+            <a:r>
+              <a:rPr lang="en-US" altLang="zh-CN" dirty="0"/>
+              <a:t>Car </a:t>
+            </a:r>
+            <a:r>
+              <a:rPr lang="en-US" altLang="zh-CN" dirty="0" smtClean="0"/>
+              <a:t>recognition</a:t>
+            </a:r>
+            <a:endParaRPr lang="zh-CN" altLang="en-US" dirty="0"/>
+          </a:p>
+        </p:txBody>
+      </p:sp>
+      <p:sp>
+        <p:nvSpPr>
+          <p:cNvPr id="3" name="Content Placeholder 2"/>
+          <p:cNvSpPr>
+            <a:spLocks noGrp="1"/>
+          </p:cNvSpPr>
+          <p:nvPr>
+            <p:ph idx="1"/>
+          </p:nvPr>
+        </p:nvSpPr>
+        <p:spPr/>
+        <p:txBody>
+          <a:bodyPr/>
+          <a:lstStyle/>
+          <a:p>
+            <a:r>
+              <a:rPr lang="en-US" altLang="zh-CN" dirty="0"/>
+              <a:t>Stanford Cars Dataset</a:t>
+            </a:r>
+            <a:endParaRPr lang="zh-CN" altLang="en-US" dirty="0"/>
+          </a:p>
+        </p:txBody>
+      </p:sp>
+      <p:pic>
+        <p:nvPicPr>
+          <p:cNvPr id="4" name="Picture 3"/>
+          <p:cNvPicPr>
+            <a:picLocks noChangeAspect="1"/>
+          </p:cNvPicPr>
+          <p:nvPr/>
+        </p:nvPicPr>
+        <p:blipFill>
+          <a:blip r:embed="rId2"/>
+          <a:stretch>
+            <a:fillRect/>
+          </a:stretch>
+        </p:blipFill>
+        <p:spPr>
+          <a:xfrm>
+            <a:off x="5315681" y="1690688"/>
+            <a:ext cx="6126335" cy="2175852"/>
+          </a:xfrm>
+          <a:prstGeom prst="rect">
+            <a:avLst/>
+          </a:prstGeom>
+        </p:spPr>
+      </p:pic>
+    </p:spTree>
+    <p:extLst>
+      <p:ext uri="{BB962C8B-B14F-4D97-AF65-F5344CB8AC3E}">
+        <p14:creationId xmlns:p14="http://schemas.microsoft.com/office/powerpoint/2010/main" val="3890933161"/>
+      </p:ext>
+    </p:extLst>
+  </p:cSld>
+  <p:clrMapOvr>
+    <a:masterClrMapping/>
+  </p:clrMapOvr>
+</p:sld>
+</file>
+
+<file path=ppt/slides/slide8.xml><?xml version="1.0" encoding="utf-8"?>
+<p:sld xmlns:a="http://schemas.openxmlformats.org/drawingml/2006/main" xmlns:r="http://schemas.openxmlformats.org/officeDocument/2006/relationships" xmlns:p="http://schemas.openxmlformats.org/presentationml/2006/main">
+  <p:cSld>
+    <p:spTree>
+      <p:nvGrpSpPr>
+        <p:cNvPr id="1" name=""/>
+        <p:cNvGrpSpPr/>
+        <p:nvPr/>
+      </p:nvGrpSpPr>
+      <p:grpSpPr>
+        <a:xfrm>
+          <a:off x="0" y="0"/>
+          <a:ext cx="0" cy="0"/>
+          <a:chOff x="0" y="0"/>
+          <a:chExt cx="0" cy="0"/>
+        </a:xfrm>
+      </p:grpSpPr>
+      <p:sp>
+        <p:nvSpPr>
+          <p:cNvPr id="2" name="Title 1"/>
+          <p:cNvSpPr>
+            <a:spLocks noGrp="1"/>
+          </p:cNvSpPr>
+          <p:nvPr>
+            <p:ph type="title"/>
+          </p:nvPr>
+        </p:nvSpPr>
+        <p:spPr/>
+        <p:txBody>
+          <a:bodyPr/>
+          <a:lstStyle/>
+          <a:p>
+            <a:r>
+              <a:rPr lang="en-US" altLang="zh-CN" dirty="0"/>
+              <a:t>Chest </a:t>
+            </a:r>
+            <a:r>
+              <a:rPr lang="en-US" altLang="zh-CN" dirty="0" smtClean="0"/>
+              <a:t>X-ray</a:t>
+            </a:r>
+            <a:endParaRPr lang="zh-CN" altLang="en-US" dirty="0"/>
+          </a:p>
+        </p:txBody>
+      </p:sp>
+      <p:sp>
+        <p:nvSpPr>
+          <p:cNvPr id="3" name="Content Placeholder 2"/>
+          <p:cNvSpPr>
+            <a:spLocks noGrp="1"/>
+          </p:cNvSpPr>
+          <p:nvPr>
+            <p:ph idx="1"/>
+          </p:nvPr>
+        </p:nvSpPr>
+        <p:spPr>
+          <a:xfrm>
+            <a:off x="838200" y="1825625"/>
+            <a:ext cx="5752070" cy="4351338"/>
+          </a:xfrm>
+        </p:spPr>
+        <p:txBody>
+          <a:bodyPr/>
+          <a:lstStyle/>
+          <a:p>
+            <a:r>
+              <a:rPr lang="en-US" altLang="zh-CN" dirty="0" smtClean="0"/>
+              <a:t>AI platform team </a:t>
+            </a:r>
+            <a:r>
+              <a:rPr lang="en-US" altLang="zh-CN" dirty="0"/>
+              <a:t>is exploring </a:t>
+            </a:r>
+            <a:r>
+              <a:rPr lang="en-US" altLang="zh-CN" dirty="0" smtClean="0"/>
+              <a:t>a </a:t>
+            </a:r>
+            <a:r>
+              <a:rPr lang="en-US" altLang="zh-CN" dirty="0"/>
+              <a:t>concept of AI packs that </a:t>
+            </a:r>
+            <a:r>
+              <a:rPr lang="en-US" altLang="zh-CN" dirty="0" smtClean="0"/>
+              <a:t>allows </a:t>
+            </a:r>
+            <a:r>
+              <a:rPr lang="en-US" altLang="zh-CN" dirty="0"/>
+              <a:t>you to install </a:t>
+            </a:r>
+            <a:r>
+              <a:rPr lang="en-US" altLang="zh-CN" dirty="0" smtClean="0"/>
+              <a:t>AI models anywhere </a:t>
+            </a:r>
+            <a:r>
+              <a:rPr lang="en-US" altLang="zh-CN" dirty="0"/>
+              <a:t>(</a:t>
+            </a:r>
+            <a:r>
+              <a:rPr lang="en-US" altLang="zh-CN" dirty="0" smtClean="0"/>
+              <a:t>e.g. </a:t>
+            </a:r>
+            <a:r>
+              <a:rPr lang="en-US" altLang="zh-CN" dirty="0"/>
+              <a:t>Azure Stack). </a:t>
+            </a:r>
+            <a:endParaRPr lang="en-US" altLang="zh-CN" dirty="0" smtClean="0"/>
+          </a:p>
+          <a:p>
+            <a:r>
+              <a:rPr lang="en-US" altLang="zh-CN" dirty="0" smtClean="0"/>
+              <a:t>Based on their blob post (</a:t>
+            </a:r>
+            <a:r>
+              <a:rPr lang="en-US" altLang="zh-CN" dirty="0" smtClean="0">
+                <a:hlinkClick r:id="rId2"/>
+              </a:rPr>
+              <a:t>link</a:t>
+            </a:r>
+            <a:r>
+              <a:rPr lang="en-US" altLang="zh-CN" dirty="0" smtClean="0"/>
+              <a:t>), help packed and install and run on </a:t>
+            </a:r>
+            <a:r>
+              <a:rPr lang="en-US" altLang="zh-CN" dirty="0" err="1" smtClean="0"/>
+              <a:t>AzS</a:t>
+            </a:r>
+            <a:r>
+              <a:rPr lang="en-US" altLang="zh-CN" dirty="0" smtClean="0"/>
+              <a:t>.</a:t>
+            </a:r>
+            <a:endParaRPr lang="zh-CN" altLang="en-US" dirty="0"/>
+          </a:p>
+        </p:txBody>
+      </p:sp>
+      <p:pic>
+        <p:nvPicPr>
+          <p:cNvPr id="5" name="Picture 4"/>
+          <p:cNvPicPr>
+            <a:picLocks noChangeAspect="1"/>
+          </p:cNvPicPr>
+          <p:nvPr/>
+        </p:nvPicPr>
+        <p:blipFill>
+          <a:blip r:embed="rId3"/>
+          <a:stretch>
+            <a:fillRect/>
+          </a:stretch>
+        </p:blipFill>
+        <p:spPr>
+          <a:xfrm>
+            <a:off x="6670332" y="1825625"/>
+            <a:ext cx="5153025" cy="3629025"/>
+          </a:xfrm>
+          <a:prstGeom prst="rect">
+            <a:avLst/>
+          </a:prstGeom>
+        </p:spPr>
+      </p:pic>
+    </p:spTree>
+    <p:extLst>
+      <p:ext uri="{BB962C8B-B14F-4D97-AF65-F5344CB8AC3E}">
+        <p14:creationId xmlns:p14="http://schemas.microsoft.com/office/powerpoint/2010/main" val="1753887154"/>
+      </p:ext>
+    </p:extLst>
+  </p:cSld>
+  <p:clrMapOvr>
+    <a:masterClrMapping/>
+  </p:clrMapOvr>
+</p:sld>
+</file>
+
 <file path=ppt/slides/slide9.xml><?xml version="1.0" encoding="utf-8"?>
 <p:sld xmlns:a="http://schemas.openxmlformats.org/drawingml/2006/main" xmlns:r="http://schemas.openxmlformats.org/officeDocument/2006/relationships" xmlns:p="http://schemas.openxmlformats.org/presentationml/2006/main">
   <p:cSld>
@@ -6400,8 +7408,12 @@
           <a:lstStyle/>
           <a:p>
             <a:r>
+              <a:rPr lang="en-US" altLang="zh-CN" dirty="0"/>
+              <a:t>TTS (text to speech</a:t>
+            </a:r>
+            <a:r>
               <a:rPr lang="en-US" altLang="zh-CN" dirty="0" smtClean="0"/>
-              <a:t>Operationalization &amp; Tooling</a:t>
+              <a:t>)</a:t>
             </a:r>
             <a:endParaRPr lang="zh-CN" altLang="en-US" dirty="0"/>
           </a:p>
@@ -6422,32 +7434,14 @@
           <a:bodyPr/>
           <a:lstStyle/>
           <a:p>
-            <a:r>
-              <a:rPr lang="en-US" altLang="zh-CN" dirty="0" smtClean="0"/>
-              <a:t>Speech team is providing TTS/SR capacity to local customers.</a:t>
-            </a:r>
-          </a:p>
-          <a:p>
-            <a:r>
-              <a:rPr lang="en-US" altLang="zh-CN" dirty="0" smtClean="0"/>
-              <a:t>Speech TTS/SR service deployment is based on Docker/ Kubernetes: (a) create a cluster, b) helm chart deploy Docker).</a:t>
-            </a:r>
-          </a:p>
-          <a:p>
-            <a:r>
-              <a:rPr lang="en-US" altLang="zh-CN" dirty="0" smtClean="0"/>
-              <a:t>Speech recognize/synthesis services today can operate without GPU, but next-gen models are much more computation-intensive.</a:t>
-            </a:r>
-          </a:p>
-          <a:p>
-            <a:endParaRPr lang="zh-CN" altLang="en-US" dirty="0"/>
+            <a:endParaRPr lang="zh-CN" altLang="en-US"/>
           </a:p>
         </p:txBody>
       </p:sp>
     </p:spTree>
     <p:extLst>
       <p:ext uri="{BB962C8B-B14F-4D97-AF65-F5344CB8AC3E}">
-        <p14:creationId xmlns:p14="http://schemas.microsoft.com/office/powerpoint/2010/main" val="3582483083"/>
+        <p14:creationId xmlns:p14="http://schemas.microsoft.com/office/powerpoint/2010/main" val="652729229"/>
       </p:ext>
     </p:extLst>
   </p:cSld>

--- a/AI_exploration_and_demo.pptx
+++ b/AI_exploration_and_demo.pptx
@@ -2,27 +2,27 @@
 <file path=ppt/presentation.xml><?xml version="1.0" encoding="utf-8"?>
 <p:presentation xmlns:a="http://schemas.openxmlformats.org/drawingml/2006/main" xmlns:r="http://schemas.openxmlformats.org/officeDocument/2006/relationships" xmlns:p="http://schemas.openxmlformats.org/presentationml/2006/main" saveSubsetFonts="1">
   <p:sldMasterIdLst>
-    <p:sldMasterId id="2147483648" r:id="rId1"/>
+    <p:sldMasterId id="2147483648" r:id="rId4"/>
   </p:sldMasterIdLst>
   <p:notesMasterIdLst>
-    <p:notesMasterId r:id="rId17"/>
+    <p:notesMasterId r:id="rId20"/>
   </p:notesMasterIdLst>
   <p:sldIdLst>
-    <p:sldId id="256" r:id="rId2"/>
-    <p:sldId id="259" r:id="rId3"/>
-    <p:sldId id="266" r:id="rId4"/>
-    <p:sldId id="257" r:id="rId5"/>
-    <p:sldId id="258" r:id="rId6"/>
-    <p:sldId id="267" r:id="rId7"/>
-    <p:sldId id="268" r:id="rId8"/>
-    <p:sldId id="269" r:id="rId9"/>
-    <p:sldId id="270" r:id="rId10"/>
-    <p:sldId id="264" r:id="rId11"/>
-    <p:sldId id="265" r:id="rId12"/>
-    <p:sldId id="263" r:id="rId13"/>
-    <p:sldId id="262" r:id="rId14"/>
-    <p:sldId id="260" r:id="rId15"/>
-    <p:sldId id="261" r:id="rId16"/>
+    <p:sldId id="256" r:id="rId5"/>
+    <p:sldId id="259" r:id="rId6"/>
+    <p:sldId id="266" r:id="rId7"/>
+    <p:sldId id="257" r:id="rId8"/>
+    <p:sldId id="258" r:id="rId9"/>
+    <p:sldId id="267" r:id="rId10"/>
+    <p:sldId id="268" r:id="rId11"/>
+    <p:sldId id="269" r:id="rId12"/>
+    <p:sldId id="270" r:id="rId13"/>
+    <p:sldId id="264" r:id="rId14"/>
+    <p:sldId id="265" r:id="rId15"/>
+    <p:sldId id="262" r:id="rId16"/>
+    <p:sldId id="260" r:id="rId17"/>
+    <p:sldId id="261" r:id="rId18"/>
+    <p:sldId id="271" r:id="rId19"/>
   </p:sldIdLst>
   <p:sldSz cx="12192000" cy="6858000"/>
   <p:notesSz cx="6858000" cy="9144000"/>
@@ -635,37 +635,6 @@
           <a:bodyPr/>
           <a:lstStyle/>
           <a:p>
-            <a:pPr marL="0" marR="0" lvl="0" indent="0" algn="l" defTabSz="914400" rtl="0" eaLnBrk="1" fontAlgn="auto" latinLnBrk="0" hangingPunct="1">
-              <a:lnSpc>
-                <a:spcPct val="100000"/>
-              </a:lnSpc>
-              <a:spcBef>
-                <a:spcPts val="0"/>
-              </a:spcBef>
-              <a:spcAft>
-                <a:spcPts val="0"/>
-              </a:spcAft>
-              <a:buClrTx/>
-              <a:buSzTx/>
-              <a:buFontTx/>
-              <a:buNone/>
-              <a:tabLst/>
-              <a:defRPr/>
-            </a:pPr>
-            <a:r>
-              <a:rPr lang="en-US" altLang="zh-CN" sz="1200" b="1" i="0" u="none" strike="noStrike" kern="1200" baseline="0" dirty="0" smtClean="0">
-                <a:solidFill>
-                  <a:schemeClr val="tx1"/>
-                </a:solidFill>
-                <a:latin typeface="+mn-lt"/>
-                <a:ea typeface="+mn-ea"/>
-                <a:cs typeface="+mn-cs"/>
-              </a:rPr>
-              <a:t>5*5*32 + 5*5*32*64 + 7*7*64*1024 + 1024 * 10 = 3273504</a:t>
-            </a:r>
-            <a:endParaRPr lang="en-US" altLang="zh-CN" dirty="0" smtClean="0"/>
-          </a:p>
-          <a:p>
             <a:endParaRPr lang="zh-CN" altLang="en-US" dirty="0"/>
           </a:p>
         </p:txBody>
@@ -687,7 +656,7 @@
           <a:p>
             <a:fld id="{9490ACEF-0A8A-43B4-AC2A-A02817DB1D1E}" type="slidenum">
               <a:rPr lang="zh-CN" altLang="en-US" smtClean="0"/>
-              <a:t>10</a:t>
+              <a:t>9</a:t>
             </a:fld>
             <a:endParaRPr lang="zh-CN" altLang="en-US"/>
           </a:p>
@@ -696,7 +665,7 @@
     </p:spTree>
     <p:extLst>
       <p:ext uri="{BB962C8B-B14F-4D97-AF65-F5344CB8AC3E}">
-        <p14:creationId xmlns:p14="http://schemas.microsoft.com/office/powerpoint/2010/main" val="1157583818"/>
+        <p14:creationId xmlns:p14="http://schemas.microsoft.com/office/powerpoint/2010/main" val="3030421062"/>
       </p:ext>
     </p:extLst>
   </p:cSld>
@@ -750,6 +719,121 @@
           <a:bodyPr/>
           <a:lstStyle/>
           <a:p>
+            <a:pPr marL="0" marR="0" lvl="0" indent="0" algn="l" defTabSz="914400" rtl="0" eaLnBrk="1" fontAlgn="auto" latinLnBrk="0" hangingPunct="1">
+              <a:lnSpc>
+                <a:spcPct val="100000"/>
+              </a:lnSpc>
+              <a:spcBef>
+                <a:spcPts val="0"/>
+              </a:spcBef>
+              <a:spcAft>
+                <a:spcPts val="0"/>
+              </a:spcAft>
+              <a:buClrTx/>
+              <a:buSzTx/>
+              <a:buFontTx/>
+              <a:buNone/>
+              <a:tabLst/>
+              <a:defRPr/>
+            </a:pPr>
+            <a:r>
+              <a:rPr lang="en-US" altLang="zh-CN" sz="1200" b="1" i="0" u="none" strike="noStrike" kern="1200" baseline="0" dirty="0" smtClean="0">
+                <a:solidFill>
+                  <a:schemeClr val="tx1"/>
+                </a:solidFill>
+                <a:latin typeface="+mn-lt"/>
+                <a:ea typeface="+mn-ea"/>
+                <a:cs typeface="+mn-cs"/>
+              </a:rPr>
+              <a:t>5*5*32 + 5*5*32*64 + 7*7*64*1024 + 1024 * 10 = 3273504</a:t>
+            </a:r>
+            <a:endParaRPr lang="en-US" altLang="zh-CN" dirty="0" smtClean="0"/>
+          </a:p>
+          <a:p>
+            <a:endParaRPr lang="zh-CN" altLang="en-US" dirty="0"/>
+          </a:p>
+        </p:txBody>
+      </p:sp>
+      <p:sp>
+        <p:nvSpPr>
+          <p:cNvPr id="4" name="Slide Number Placeholder 3"/>
+          <p:cNvSpPr>
+            <a:spLocks noGrp="1"/>
+          </p:cNvSpPr>
+          <p:nvPr>
+            <p:ph type="sldNum" sz="quarter" idx="10"/>
+          </p:nvPr>
+        </p:nvSpPr>
+        <p:spPr/>
+        <p:txBody>
+          <a:bodyPr/>
+          <a:lstStyle/>
+          <a:p>
+            <a:fld id="{9490ACEF-0A8A-43B4-AC2A-A02817DB1D1E}" type="slidenum">
+              <a:rPr lang="zh-CN" altLang="en-US" smtClean="0"/>
+              <a:t>10</a:t>
+            </a:fld>
+            <a:endParaRPr lang="zh-CN" altLang="en-US"/>
+          </a:p>
+        </p:txBody>
+      </p:sp>
+    </p:spTree>
+    <p:extLst>
+      <p:ext uri="{BB962C8B-B14F-4D97-AF65-F5344CB8AC3E}">
+        <p14:creationId xmlns:p14="http://schemas.microsoft.com/office/powerpoint/2010/main" val="1157583818"/>
+      </p:ext>
+    </p:extLst>
+  </p:cSld>
+  <p:clrMapOvr>
+    <a:masterClrMapping/>
+  </p:clrMapOvr>
+</p:notes>
+</file>
+
+<file path=ppt/notesSlides/notesSlide4.xml><?xml version="1.0" encoding="utf-8"?>
+<p:notes xmlns:a="http://schemas.openxmlformats.org/drawingml/2006/main" xmlns:r="http://schemas.openxmlformats.org/officeDocument/2006/relationships" xmlns:p="http://schemas.openxmlformats.org/presentationml/2006/main">
+  <p:cSld>
+    <p:spTree>
+      <p:nvGrpSpPr>
+        <p:cNvPr id="1" name=""/>
+        <p:cNvGrpSpPr/>
+        <p:nvPr/>
+      </p:nvGrpSpPr>
+      <p:grpSpPr>
+        <a:xfrm>
+          <a:off x="0" y="0"/>
+          <a:ext cx="0" cy="0"/>
+          <a:chOff x="0" y="0"/>
+          <a:chExt cx="0" cy="0"/>
+        </a:xfrm>
+      </p:grpSpPr>
+      <p:sp>
+        <p:nvSpPr>
+          <p:cNvPr id="2" name="Slide Image Placeholder 1"/>
+          <p:cNvSpPr>
+            <a:spLocks noGrp="1" noRot="1" noChangeAspect="1"/>
+          </p:cNvSpPr>
+          <p:nvPr>
+            <p:ph type="sldImg"/>
+          </p:nvPr>
+        </p:nvSpPr>
+        <p:spPr/>
+      </p:sp>
+      <p:sp>
+        <p:nvSpPr>
+          <p:cNvPr id="3" name="Notes Placeholder 2"/>
+          <p:cNvSpPr>
+            <a:spLocks noGrp="1"/>
+          </p:cNvSpPr>
+          <p:nvPr>
+            <p:ph type="body" idx="1"/>
+          </p:nvPr>
+        </p:nvSpPr>
+        <p:spPr/>
+        <p:txBody>
+          <a:bodyPr/>
+          <a:lstStyle/>
+          <a:p>
             <a:r>
               <a:rPr lang="en-US" altLang="zh-CN" sz="1200" kern="1200" dirty="0" smtClean="0">
                 <a:solidFill>
@@ -807,7 +891,7 @@
           <a:p>
             <a:fld id="{9490ACEF-0A8A-43B4-AC2A-A02817DB1D1E}" type="slidenum">
               <a:rPr lang="zh-CN" altLang="en-US" smtClean="0"/>
-              <a:t>13</a:t>
+              <a:t>12</a:t>
             </a:fld>
             <a:endParaRPr lang="zh-CN" altLang="en-US"/>
           </a:p>
@@ -817,6 +901,187 @@
     <p:extLst>
       <p:ext uri="{BB962C8B-B14F-4D97-AF65-F5344CB8AC3E}">
         <p14:creationId xmlns:p14="http://schemas.microsoft.com/office/powerpoint/2010/main" val="653181736"/>
+      </p:ext>
+    </p:extLst>
+  </p:cSld>
+  <p:clrMapOvr>
+    <a:masterClrMapping/>
+  </p:clrMapOvr>
+</p:notes>
+</file>
+
+<file path=ppt/notesSlides/notesSlide5.xml><?xml version="1.0" encoding="utf-8"?>
+<p:notes xmlns:a="http://schemas.openxmlformats.org/drawingml/2006/main" xmlns:r="http://schemas.openxmlformats.org/officeDocument/2006/relationships" xmlns:p="http://schemas.openxmlformats.org/presentationml/2006/main">
+  <p:cSld>
+    <p:spTree>
+      <p:nvGrpSpPr>
+        <p:cNvPr id="1" name=""/>
+        <p:cNvGrpSpPr/>
+        <p:nvPr/>
+      </p:nvGrpSpPr>
+      <p:grpSpPr>
+        <a:xfrm>
+          <a:off x="0" y="0"/>
+          <a:ext cx="0" cy="0"/>
+          <a:chOff x="0" y="0"/>
+          <a:chExt cx="0" cy="0"/>
+        </a:xfrm>
+      </p:grpSpPr>
+      <p:sp>
+        <p:nvSpPr>
+          <p:cNvPr id="2" name="Slide Image Placeholder 1"/>
+          <p:cNvSpPr>
+            <a:spLocks noGrp="1" noRot="1" noChangeAspect="1"/>
+          </p:cNvSpPr>
+          <p:nvPr>
+            <p:ph type="sldImg"/>
+          </p:nvPr>
+        </p:nvSpPr>
+        <p:spPr/>
+      </p:sp>
+      <p:sp>
+        <p:nvSpPr>
+          <p:cNvPr id="3" name="Notes Placeholder 2"/>
+          <p:cNvSpPr>
+            <a:spLocks noGrp="1"/>
+          </p:cNvSpPr>
+          <p:nvPr>
+            <p:ph type="body" idx="1"/>
+          </p:nvPr>
+        </p:nvSpPr>
+        <p:spPr/>
+        <p:txBody>
+          <a:bodyPr/>
+          <a:lstStyle/>
+          <a:p>
+            <a:pPr lvl="0"/>
+            <a:r>
+              <a:rPr lang="en-US" altLang="zh-CN" sz="1200" kern="1200" dirty="0" smtClean="0">
+                <a:solidFill>
+                  <a:schemeClr val="tx1"/>
+                </a:solidFill>
+                <a:effectLst/>
+                <a:latin typeface="+mn-lt"/>
+                <a:ea typeface="+mn-ea"/>
+                <a:cs typeface="+mn-cs"/>
+              </a:rPr>
+              <a:t>The </a:t>
+            </a:r>
+            <a:r>
+              <a:rPr lang="en-US" altLang="zh-CN" sz="1200" u="sng" kern="1200" dirty="0" smtClean="0">
+                <a:solidFill>
+                  <a:schemeClr val="tx1"/>
+                </a:solidFill>
+                <a:effectLst/>
+                <a:latin typeface="+mn-lt"/>
+                <a:ea typeface="+mn-ea"/>
+                <a:cs typeface="+mn-cs"/>
+                <a:hlinkClick r:id="rId3"/>
+              </a:rPr>
+              <a:t>blob post</a:t>
+            </a:r>
+            <a:r>
+              <a:rPr lang="en-US" altLang="zh-CN" sz="1200" kern="1200" dirty="0" smtClean="0">
+                <a:solidFill>
+                  <a:schemeClr val="tx1"/>
+                </a:solidFill>
+                <a:effectLst/>
+                <a:latin typeface="+mn-lt"/>
+                <a:ea typeface="+mn-ea"/>
+                <a:cs typeface="+mn-cs"/>
+              </a:rPr>
+              <a:t> outlined e2e flow about AI in Azure, </a:t>
+            </a:r>
+            <a:endParaRPr lang="zh-CN" altLang="zh-CN" sz="1400" kern="1200" dirty="0" smtClean="0">
+              <a:solidFill>
+                <a:schemeClr val="tx1"/>
+              </a:solidFill>
+              <a:effectLst/>
+              <a:latin typeface="+mn-lt"/>
+              <a:ea typeface="+mn-ea"/>
+              <a:cs typeface="+mn-cs"/>
+            </a:endParaRPr>
+          </a:p>
+          <a:p>
+            <a:pPr lvl="1"/>
+            <a:r>
+              <a:rPr lang="en-US" altLang="zh-CN" sz="1200" kern="1200" dirty="0" smtClean="0">
+                <a:solidFill>
+                  <a:schemeClr val="tx1"/>
+                </a:solidFill>
+                <a:effectLst/>
+                <a:latin typeface="+mn-lt"/>
+                <a:ea typeface="+mn-ea"/>
+                <a:cs typeface="+mn-cs"/>
+              </a:rPr>
+              <a:t>this should just work in Azure Stack, have a try (especially deployment) to see if any blockers; </a:t>
+            </a:r>
+            <a:endParaRPr lang="zh-CN" altLang="zh-CN" sz="1400" kern="1200" dirty="0" smtClean="0">
+              <a:solidFill>
+                <a:schemeClr val="tx1"/>
+              </a:solidFill>
+              <a:effectLst/>
+              <a:latin typeface="+mn-lt"/>
+              <a:ea typeface="+mn-ea"/>
+              <a:cs typeface="+mn-cs"/>
+            </a:endParaRPr>
+          </a:p>
+          <a:p>
+            <a:pPr lvl="1"/>
+            <a:r>
+              <a:rPr lang="en-US" altLang="zh-CN" sz="1200" kern="1200" dirty="0" smtClean="0">
+                <a:solidFill>
+                  <a:schemeClr val="tx1"/>
+                </a:solidFill>
+                <a:effectLst/>
+                <a:latin typeface="+mn-lt"/>
+                <a:ea typeface="+mn-ea"/>
+                <a:cs typeface="+mn-cs"/>
+              </a:rPr>
+              <a:t>Have a better thoughts on: “how models are instrumented and data is collected to calculate their accuracy and precision, we need to have a loop that works like that in Azure Stack, even in offline scenarios.”</a:t>
+            </a:r>
+            <a:endParaRPr lang="zh-CN" altLang="zh-CN" sz="1400" kern="1200" dirty="0" smtClean="0">
+              <a:solidFill>
+                <a:schemeClr val="tx1"/>
+              </a:solidFill>
+              <a:effectLst/>
+              <a:latin typeface="+mn-lt"/>
+              <a:ea typeface="+mn-ea"/>
+              <a:cs typeface="+mn-cs"/>
+            </a:endParaRPr>
+          </a:p>
+          <a:p>
+            <a:endParaRPr lang="zh-CN" altLang="en-US" dirty="0"/>
+          </a:p>
+        </p:txBody>
+      </p:sp>
+      <p:sp>
+        <p:nvSpPr>
+          <p:cNvPr id="4" name="Slide Number Placeholder 3"/>
+          <p:cNvSpPr>
+            <a:spLocks noGrp="1"/>
+          </p:cNvSpPr>
+          <p:nvPr>
+            <p:ph type="sldNum" sz="quarter" idx="10"/>
+          </p:nvPr>
+        </p:nvSpPr>
+        <p:spPr/>
+        <p:txBody>
+          <a:bodyPr/>
+          <a:lstStyle/>
+          <a:p>
+            <a:fld id="{9490ACEF-0A8A-43B4-AC2A-A02817DB1D1E}" type="slidenum">
+              <a:rPr lang="zh-CN" altLang="en-US" smtClean="0"/>
+              <a:t>15</a:t>
+            </a:fld>
+            <a:endParaRPr lang="zh-CN" altLang="en-US"/>
+          </a:p>
+        </p:txBody>
+      </p:sp>
+    </p:spTree>
+    <p:extLst>
+      <p:ext uri="{BB962C8B-B14F-4D97-AF65-F5344CB8AC3E}">
+        <p14:creationId xmlns:p14="http://schemas.microsoft.com/office/powerpoint/2010/main" val="1781108866"/>
       </p:ext>
     </p:extLst>
   </p:cSld>
@@ -4219,245 +4484,6 @@
 </file>
 
 <file path=ppt/slides/slide12.xml><?xml version="1.0" encoding="utf-8"?>
-<p:sld xmlns:a="http://schemas.openxmlformats.org/drawingml/2006/main" xmlns:r="http://schemas.openxmlformats.org/officeDocument/2006/relationships" xmlns:p="http://schemas.openxmlformats.org/presentationml/2006/main" show="0">
-  <p:cSld>
-    <p:spTree>
-      <p:nvGrpSpPr>
-        <p:cNvPr id="1" name=""/>
-        <p:cNvGrpSpPr/>
-        <p:nvPr/>
-      </p:nvGrpSpPr>
-      <p:grpSpPr>
-        <a:xfrm>
-          <a:off x="0" y="0"/>
-          <a:ext cx="0" cy="0"/>
-          <a:chOff x="0" y="0"/>
-          <a:chExt cx="0" cy="0"/>
-        </a:xfrm>
-      </p:grpSpPr>
-      <p:sp>
-        <p:nvSpPr>
-          <p:cNvPr id="2" name="Title 1"/>
-          <p:cNvSpPr>
-            <a:spLocks noGrp="1"/>
-          </p:cNvSpPr>
-          <p:nvPr>
-            <p:ph type="title"/>
-          </p:nvPr>
-        </p:nvSpPr>
-        <p:spPr/>
-        <p:txBody>
-          <a:bodyPr/>
-          <a:lstStyle/>
-          <a:p>
-            <a:r>
-              <a:rPr lang="en-US" altLang="zh-CN" dirty="0" smtClean="0"/>
-              <a:t>Speech Synthesis Model</a:t>
-            </a:r>
-            <a:endParaRPr lang="zh-CN" altLang="en-US" dirty="0"/>
-          </a:p>
-        </p:txBody>
-      </p:sp>
-      <p:sp>
-        <p:nvSpPr>
-          <p:cNvPr id="3" name="Content Placeholder 2"/>
-          <p:cNvSpPr>
-            <a:spLocks noGrp="1"/>
-          </p:cNvSpPr>
-          <p:nvPr>
-            <p:ph idx="1"/>
-          </p:nvPr>
-        </p:nvSpPr>
-        <p:spPr>
-          <a:xfrm>
-            <a:off x="838200" y="1825625"/>
-            <a:ext cx="3786976" cy="4351338"/>
-          </a:xfrm>
-        </p:spPr>
-        <p:txBody>
-          <a:bodyPr/>
-          <a:lstStyle/>
-          <a:p>
-            <a:r>
-              <a:rPr lang="en-US" altLang="zh-CN" dirty="0" smtClean="0"/>
-              <a:t>Statistical parametric model:</a:t>
-            </a:r>
-          </a:p>
-          <a:p>
-            <a:endParaRPr lang="en-US" altLang="zh-CN" dirty="0"/>
-          </a:p>
-          <a:p>
-            <a:endParaRPr lang="en-US" altLang="zh-CN" dirty="0" smtClean="0"/>
-          </a:p>
-          <a:p>
-            <a:endParaRPr lang="en-US" altLang="zh-CN" dirty="0"/>
-          </a:p>
-          <a:p>
-            <a:r>
-              <a:rPr lang="en-US" altLang="zh-CN" dirty="0" smtClean="0"/>
-              <a:t>End-to-end model:</a:t>
-            </a:r>
-          </a:p>
-          <a:p>
-            <a:pPr lvl="1"/>
-            <a:endParaRPr lang="zh-CN" altLang="en-US" dirty="0"/>
-          </a:p>
-        </p:txBody>
-      </p:sp>
-      <p:pic>
-        <p:nvPicPr>
-          <p:cNvPr id="4" name="Picture 3"/>
-          <p:cNvPicPr>
-            <a:picLocks noChangeAspect="1"/>
-          </p:cNvPicPr>
-          <p:nvPr/>
-        </p:nvPicPr>
-        <p:blipFill>
-          <a:blip r:embed="rId2"/>
-          <a:stretch>
-            <a:fillRect/>
-          </a:stretch>
-        </p:blipFill>
-        <p:spPr>
-          <a:xfrm>
-            <a:off x="4625176" y="1825625"/>
-            <a:ext cx="7181850" cy="1962150"/>
-          </a:xfrm>
-          <a:prstGeom prst="rect">
-            <a:avLst/>
-          </a:prstGeom>
-        </p:spPr>
-      </p:pic>
-      <p:pic>
-        <p:nvPicPr>
-          <p:cNvPr id="5" name="Picture 4"/>
-          <p:cNvPicPr>
-            <a:picLocks noChangeAspect="1"/>
-          </p:cNvPicPr>
-          <p:nvPr/>
-        </p:nvPicPr>
-        <p:blipFill>
-          <a:blip r:embed="rId3"/>
-          <a:stretch>
-            <a:fillRect/>
-          </a:stretch>
-        </p:blipFill>
-        <p:spPr>
-          <a:xfrm>
-            <a:off x="4625176" y="4001294"/>
-            <a:ext cx="5058086" cy="2725772"/>
-          </a:xfrm>
-          <a:prstGeom prst="rect">
-            <a:avLst/>
-          </a:prstGeom>
-        </p:spPr>
-      </p:pic>
-      <p:pic>
-        <p:nvPicPr>
-          <p:cNvPr id="6" name="Picture 5"/>
-          <p:cNvPicPr>
-            <a:picLocks noChangeAspect="1"/>
-          </p:cNvPicPr>
-          <p:nvPr/>
-        </p:nvPicPr>
-        <p:blipFill>
-          <a:blip r:embed="rId4"/>
-          <a:stretch>
-            <a:fillRect/>
-          </a:stretch>
-        </p:blipFill>
-        <p:spPr>
-          <a:xfrm>
-            <a:off x="9683262" y="3623652"/>
-            <a:ext cx="1883508" cy="1818559"/>
-          </a:xfrm>
-          <a:prstGeom prst="rect">
-            <a:avLst/>
-          </a:prstGeom>
-        </p:spPr>
-      </p:pic>
-      <p:cxnSp>
-        <p:nvCxnSpPr>
-          <p:cNvPr id="8" name="Straight Connector 7"/>
-          <p:cNvCxnSpPr/>
-          <p:nvPr/>
-        </p:nvCxnSpPr>
-        <p:spPr>
-          <a:xfrm flipV="1">
-            <a:off x="8690708" y="3787775"/>
-            <a:ext cx="1266092" cy="878010"/>
-          </a:xfrm>
-          <a:prstGeom prst="line">
-            <a:avLst/>
-          </a:prstGeom>
-        </p:spPr>
-        <p:style>
-          <a:lnRef idx="1">
-            <a:schemeClr val="accent1"/>
-          </a:lnRef>
-          <a:fillRef idx="0">
-            <a:schemeClr val="accent1"/>
-          </a:fillRef>
-          <a:effectRef idx="0">
-            <a:schemeClr val="accent1"/>
-          </a:effectRef>
-          <a:fontRef idx="minor">
-            <a:schemeClr val="tx1"/>
-          </a:fontRef>
-        </p:style>
-      </p:cxnSp>
-      <p:cxnSp>
-        <p:nvCxnSpPr>
-          <p:cNvPr id="10" name="Straight Connector 9"/>
-          <p:cNvCxnSpPr/>
-          <p:nvPr/>
-        </p:nvCxnSpPr>
-        <p:spPr>
-          <a:xfrm>
-            <a:off x="8690708" y="4861169"/>
-            <a:ext cx="1266092" cy="503011"/>
-          </a:xfrm>
-          <a:prstGeom prst="line">
-            <a:avLst/>
-          </a:prstGeom>
-        </p:spPr>
-        <p:style>
-          <a:lnRef idx="1">
-            <a:schemeClr val="accent1"/>
-          </a:lnRef>
-          <a:fillRef idx="0">
-            <a:schemeClr val="accent1"/>
-          </a:fillRef>
-          <a:effectRef idx="0">
-            <a:schemeClr val="accent1"/>
-          </a:effectRef>
-          <a:fontRef idx="minor">
-            <a:schemeClr val="tx1"/>
-          </a:fontRef>
-        </p:style>
-      </p:cxnSp>
-    </p:spTree>
-    <p:extLst>
-      <p:ext uri="{BB962C8B-B14F-4D97-AF65-F5344CB8AC3E}">
-        <p14:creationId xmlns:p14="http://schemas.microsoft.com/office/powerpoint/2010/main" val="2659125201"/>
-      </p:ext>
-    </p:extLst>
-  </p:cSld>
-  <p:clrMapOvr>
-    <a:masterClrMapping/>
-  </p:clrMapOvr>
-  <mc:AlternateContent xmlns:mc="http://schemas.openxmlformats.org/markup-compatibility/2006" xmlns:p14="http://schemas.microsoft.com/office/powerpoint/2010/main">
-    <mc:Choice Requires="p14">
-      <p:transition spd="slow" p14:dur="2000"/>
-    </mc:Choice>
-    <mc:Fallback xmlns="">
-      <p:transition spd="slow"/>
-    </mc:Fallback>
-  </mc:AlternateContent>
-</p:sld>
-</file>
-
-<file path=ppt/slides/slide13.xml><?xml version="1.0" encoding="utf-8"?>
 <p:sld xmlns:a="http://schemas.openxmlformats.org/drawingml/2006/main" xmlns:r="http://schemas.openxmlformats.org/officeDocument/2006/relationships" xmlns:p="http://schemas.openxmlformats.org/presentationml/2006/main">
   <p:cSld>
     <p:spTree>
@@ -5618,6 +5644,90 @@
 </p:sld>
 </file>
 
+<file path=ppt/slides/slide13.xml><?xml version="1.0" encoding="utf-8"?>
+<p:sld xmlns:a="http://schemas.openxmlformats.org/drawingml/2006/main" xmlns:r="http://schemas.openxmlformats.org/officeDocument/2006/relationships" xmlns:p="http://schemas.openxmlformats.org/presentationml/2006/main">
+  <p:cSld>
+    <p:spTree>
+      <p:nvGrpSpPr>
+        <p:cNvPr id="1" name=""/>
+        <p:cNvGrpSpPr/>
+        <p:nvPr/>
+      </p:nvGrpSpPr>
+      <p:grpSpPr>
+        <a:xfrm>
+          <a:off x="0" y="0"/>
+          <a:ext cx="0" cy="0"/>
+          <a:chOff x="0" y="0"/>
+          <a:chExt cx="0" cy="0"/>
+        </a:xfrm>
+      </p:grpSpPr>
+      <p:sp>
+        <p:nvSpPr>
+          <p:cNvPr id="2" name="Title 1"/>
+          <p:cNvSpPr>
+            <a:spLocks noGrp="1"/>
+          </p:cNvSpPr>
+          <p:nvPr>
+            <p:ph type="title"/>
+          </p:nvPr>
+        </p:nvSpPr>
+        <p:spPr/>
+        <p:txBody>
+          <a:bodyPr/>
+          <a:lstStyle/>
+          <a:p>
+            <a:r>
+              <a:rPr lang="en-US" altLang="zh-CN" dirty="0" smtClean="0"/>
+              <a:t>Operationalization &amp; Tooling</a:t>
+            </a:r>
+            <a:endParaRPr lang="zh-CN" altLang="en-US" dirty="0"/>
+          </a:p>
+        </p:txBody>
+      </p:sp>
+      <p:sp>
+        <p:nvSpPr>
+          <p:cNvPr id="3" name="Content Placeholder 2"/>
+          <p:cNvSpPr>
+            <a:spLocks noGrp="1"/>
+          </p:cNvSpPr>
+          <p:nvPr>
+            <p:ph idx="1"/>
+          </p:nvPr>
+        </p:nvSpPr>
+        <p:spPr/>
+        <p:txBody>
+          <a:bodyPr/>
+          <a:lstStyle/>
+          <a:p>
+            <a:r>
+              <a:rPr lang="en-US" altLang="zh-CN" dirty="0" smtClean="0"/>
+              <a:t>Speech TTS/SR service deployment is based on Docker/ Kubernetes: (a) create a cluster, b) helm chart deploy Dockers).</a:t>
+            </a:r>
+          </a:p>
+          <a:p>
+            <a:r>
+              <a:rPr lang="en-US" altLang="zh-CN" dirty="0" smtClean="0"/>
+              <a:t>Speech recognize/synthesis services today can operate without GPU, but next-gen models are much more computation-intensive.</a:t>
+            </a:r>
+          </a:p>
+          <a:p>
+            <a:endParaRPr lang="zh-CN" altLang="en-US" dirty="0"/>
+          </a:p>
+        </p:txBody>
+      </p:sp>
+    </p:spTree>
+    <p:extLst>
+      <p:ext uri="{BB962C8B-B14F-4D97-AF65-F5344CB8AC3E}">
+        <p14:creationId xmlns:p14="http://schemas.microsoft.com/office/powerpoint/2010/main" val="3582483083"/>
+      </p:ext>
+    </p:extLst>
+  </p:cSld>
+  <p:clrMapOvr>
+    <a:masterClrMapping/>
+  </p:clrMapOvr>
+</p:sld>
+</file>
+
 <file path=ppt/slides/slide14.xml><?xml version="1.0" encoding="utf-8"?>
 <p:sld xmlns:a="http://schemas.openxmlformats.org/drawingml/2006/main" xmlns:r="http://schemas.openxmlformats.org/officeDocument/2006/relationships" xmlns:p="http://schemas.openxmlformats.org/presentationml/2006/main">
   <p:cSld>
@@ -5652,7 +5762,7 @@
           <a:p>
             <a:r>
               <a:rPr lang="en-US" altLang="zh-CN" dirty="0" smtClean="0"/>
-              <a:t>Operationalization &amp; Tooling</a:t>
+              <a:t>Conclusion</a:t>
             </a:r>
             <a:endParaRPr lang="zh-CN" altLang="en-US" dirty="0"/>
           </a:p>
@@ -5675,25 +5785,22 @@
           <a:p>
             <a:r>
               <a:rPr lang="en-US" altLang="zh-CN" dirty="0" smtClean="0"/>
-              <a:t>Speech </a:t>
-            </a:r>
-            <a:r>
-              <a:rPr lang="en-US" altLang="zh-CN" dirty="0" smtClean="0"/>
-              <a:t>TTS/SR service deployment is based on Docker/ Kubernetes: (a) create a cluster, b) helm chart deploy </a:t>
-            </a:r>
-            <a:r>
-              <a:rPr lang="en-US" altLang="zh-CN" dirty="0" smtClean="0"/>
-              <a:t>Dockers).</a:t>
-            </a:r>
-            <a:endParaRPr lang="en-US" altLang="zh-CN" dirty="0" smtClean="0"/>
-          </a:p>
-          <a:p>
-            <a:r>
-              <a:rPr lang="en-US" altLang="zh-CN" dirty="0" smtClean="0"/>
-              <a:t>Speech recognize/synthesis services today can operate without GPU, but next-gen models are much more computation-intensive.</a:t>
-            </a:r>
-          </a:p>
-          <a:p>
+              <a:t>Time-insensitive inferencing is okay on </a:t>
+            </a:r>
+            <a:r>
+              <a:rPr lang="en-US" altLang="zh-CN" dirty="0" err="1" smtClean="0"/>
+              <a:t>AzS</a:t>
+            </a:r>
+            <a:r>
+              <a:rPr lang="en-US" altLang="zh-CN" dirty="0" smtClean="0"/>
+              <a:t> as of today.</a:t>
+            </a:r>
+          </a:p>
+          <a:p>
+            <a:r>
+              <a:rPr lang="en-US" altLang="zh-CN" dirty="0" smtClean="0"/>
+              <a:t>Going forward K8s and GPU are the keys.</a:t>
+            </a:r>
             <a:endParaRPr lang="zh-CN" altLang="en-US" dirty="0"/>
           </a:p>
         </p:txBody>
@@ -5701,7 +5808,7 @@
     </p:spTree>
     <p:extLst>
       <p:ext uri="{BB962C8B-B14F-4D97-AF65-F5344CB8AC3E}">
-        <p14:creationId xmlns:p14="http://schemas.microsoft.com/office/powerpoint/2010/main" val="3582483083"/>
+        <p14:creationId xmlns:p14="http://schemas.microsoft.com/office/powerpoint/2010/main" val="2781634031"/>
       </p:ext>
     </p:extLst>
   </p:cSld>
@@ -5745,7 +5852,7 @@
           <a:p>
             <a:r>
               <a:rPr lang="en-US" altLang="zh-CN" dirty="0" smtClean="0"/>
-              <a:t>Conclusion</a:t>
+              <a:t>Future work</a:t>
             </a:r>
             <a:endParaRPr lang="zh-CN" altLang="en-US" dirty="0"/>
           </a:p>
@@ -5767,8 +5874,8 @@
           <a:lstStyle/>
           <a:p>
             <a:r>
-              <a:rPr lang="en-US" altLang="zh-CN" dirty="0" smtClean="0"/>
-              <a:t>Time-insensitive inferencing is okay </a:t>
+              <a:rPr lang="en-US" altLang="zh-CN" dirty="0"/>
+              <a:t>e2e flow about AI </a:t>
             </a:r>
             <a:r>
               <a:rPr lang="en-US" altLang="zh-CN" dirty="0" smtClean="0"/>
@@ -5780,22 +5887,33 @@
             </a:r>
             <a:r>
               <a:rPr lang="en-US" altLang="zh-CN" dirty="0" smtClean="0"/>
-              <a:t> as of today.</a:t>
-            </a:r>
-          </a:p>
-          <a:p>
-            <a:r>
-              <a:rPr lang="en-US" altLang="zh-CN" dirty="0" smtClean="0"/>
-              <a:t>Going forward K8s and GPU are the keys.</a:t>
-            </a:r>
-            <a:endParaRPr lang="zh-CN" altLang="en-US" dirty="0"/>
+              <a:t>.</a:t>
+            </a:r>
+          </a:p>
+          <a:p>
+            <a:r>
+              <a:rPr lang="en-US" altLang="zh-CN" dirty="0" smtClean="0"/>
+              <a:t>Connect to customers and </a:t>
+            </a:r>
+            <a:r>
+              <a:rPr lang="en-US" altLang="zh-CN" dirty="0"/>
+              <a:t>AI </a:t>
+            </a:r>
+            <a:r>
+              <a:rPr lang="en-US" altLang="zh-CN" dirty="0" smtClean="0"/>
+              <a:t>services/researches.</a:t>
+            </a:r>
+          </a:p>
+          <a:p>
+            <a:pPr lvl="1"/>
+            <a:endParaRPr lang="en-US" altLang="zh-CN" dirty="0" smtClean="0"/>
           </a:p>
         </p:txBody>
       </p:sp>
     </p:spTree>
     <p:extLst>
       <p:ext uri="{BB962C8B-B14F-4D97-AF65-F5344CB8AC3E}">
-        <p14:creationId xmlns:p14="http://schemas.microsoft.com/office/powerpoint/2010/main" val="2781634031"/>
+        <p14:creationId xmlns:p14="http://schemas.microsoft.com/office/powerpoint/2010/main" val="2107325282"/>
       </p:ext>
     </p:extLst>
   </p:cSld>
@@ -6325,7 +6443,7 @@
         <p:spPr/>
         <p:txBody>
           <a:bodyPr>
-            <a:normAutofit lnSpcReduction="10000"/>
+            <a:normAutofit fontScale="92500"/>
           </a:bodyPr>
           <a:lstStyle/>
           <a:p>
@@ -6519,10 +6637,20 @@
               <a:t>roduct and solution provider) </a:t>
             </a:r>
             <a:r>
-              <a:rPr lang="en-US" altLang="zh-CN" dirty="0"/>
+              <a:rPr lang="en-US" altLang="zh-CN" dirty="0" smtClean="0"/>
               <a:t>.</a:t>
             </a:r>
-            <a:endParaRPr lang="zh-CN" altLang="zh-CN" sz="2800" dirty="0"/>
+          </a:p>
+          <a:p>
+            <a:r>
+              <a:rPr lang="en-US" altLang="zh-CN" sz="3200" dirty="0" err="1" smtClean="0"/>
+              <a:t>BingAds</a:t>
+            </a:r>
+            <a:r>
+              <a:rPr lang="en-US" altLang="zh-CN" sz="3200" dirty="0" smtClean="0"/>
+              <a:t> team: China + AI.</a:t>
+            </a:r>
+            <a:endParaRPr lang="zh-CN" altLang="zh-CN" sz="3200" dirty="0"/>
           </a:p>
           <a:p>
             <a:pPr lvl="1"/>
@@ -6627,23 +6755,14 @@
           <a:p>
             <a:r>
               <a:rPr lang="en-US" altLang="zh-CN" dirty="0" smtClean="0"/>
-              <a:t>Demo1</a:t>
-            </a:r>
-            <a:r>
-              <a:rPr lang="en-US" altLang="zh-CN" dirty="0" smtClean="0"/>
-              <a:t>: </a:t>
-            </a:r>
-            <a:endParaRPr lang="en-US" altLang="zh-CN" dirty="0" smtClean="0"/>
+              <a:t>Demo1: </a:t>
+            </a:r>
           </a:p>
           <a:p>
             <a:pPr lvl="1"/>
             <a:r>
               <a:rPr lang="en-US" altLang="zh-CN" dirty="0" smtClean="0"/>
-              <a:t>Bring </a:t>
-            </a:r>
-            <a:r>
-              <a:rPr lang="en-US" altLang="zh-CN" dirty="0" smtClean="0"/>
-              <a:t>live video stream to </a:t>
+              <a:t>Bring live video stream to </a:t>
             </a:r>
             <a:r>
               <a:rPr lang="en-US" altLang="zh-CN" dirty="0" err="1" smtClean="0"/>
@@ -6655,11 +6774,8 @@
             <a:pPr lvl="1"/>
             <a:r>
               <a:rPr lang="en-US" altLang="zh-CN" dirty="0" smtClean="0"/>
-              <a:t>Pose estimation &amp; recognition</a:t>
-            </a:r>
-          </a:p>
-          <a:p>
-            <a:pPr lvl="1"/>
+              <a:t>Human detection &amp; mask.</a:t>
+            </a:r>
             <a:endParaRPr lang="en-US" altLang="zh-CN" dirty="0" smtClean="0"/>
           </a:p>
           <a:p>
@@ -6684,12 +6800,66 @@
         </p:blipFill>
         <p:spPr>
           <a:xfrm>
-            <a:off x="6279275" y="1606631"/>
+            <a:off x="6096000" y="1568587"/>
             <a:ext cx="4885388" cy="4082400"/>
           </a:xfrm>
           <a:prstGeom prst="rect">
             <a:avLst/>
           </a:prstGeom>
+        </p:spPr>
+      </p:pic>
+      <p:pic>
+        <p:nvPicPr>
+          <p:cNvPr id="1026" name="Picture 2" descr="image003"/>
+          <p:cNvPicPr>
+            <a:picLocks noChangeAspect="1" noChangeArrowheads="1"/>
+          </p:cNvPicPr>
+          <p:nvPr/>
+        </p:nvPicPr>
+        <p:blipFill>
+          <a:blip r:embed="rId3" cstate="print">
+            <a:extLst>
+              <a:ext uri="{28A0092B-C50C-407E-A947-70E740481C1C}">
+                <a14:useLocalDpi xmlns:a14="http://schemas.microsoft.com/office/drawing/2010/main" val="0"/>
+              </a:ext>
+            </a:extLst>
+          </a:blip>
+          <a:srcRect/>
+          <a:stretch>
+            <a:fillRect/>
+          </a:stretch>
+        </p:blipFill>
+        <p:spPr bwMode="auto">
+          <a:xfrm>
+            <a:off x="10632299" y="2118763"/>
+            <a:ext cx="1443002" cy="1089453"/>
+          </a:xfrm>
+          <a:prstGeom prst="rect">
+            <a:avLst/>
+          </a:prstGeom>
+          <a:noFill/>
+          <a:ln>
+            <a:noFill/>
+          </a:ln>
+          <a:extLst>
+            <a:ext uri="{909E8E84-426E-40DD-AFC4-6F175D3DCCD1}">
+              <a14:hiddenFill xmlns:a14="http://schemas.microsoft.com/office/drawing/2010/main">
+                <a:solidFill>
+                  <a:srgbClr val="FFFFFF"/>
+                </a:solidFill>
+              </a14:hiddenFill>
+            </a:ext>
+            <a:ext uri="{91240B29-F687-4F45-9708-019B960494DF}">
+              <a14:hiddenLine xmlns:a14="http://schemas.microsoft.com/office/drawing/2010/main" w="9525">
+                <a:solidFill>
+                  <a:srgbClr val="000000"/>
+                </a:solidFill>
+                <a:miter lim="800000"/>
+                <a:headEnd/>
+                <a:tailEnd/>
+              </a14:hiddenLine>
+            </a:ext>
+          </a:extLst>
         </p:spPr>
       </p:pic>
     </p:spTree>
@@ -6758,13 +6928,29 @@
         <p:spPr/>
         <p:txBody>
           <a:bodyPr>
-            <a:normAutofit/>
+            <a:normAutofit fontScale="92500" lnSpcReduction="20000"/>
           </a:bodyPr>
           <a:lstStyle/>
           <a:p>
             <a:r>
-              <a:rPr lang="en-US" altLang="zh-CN" dirty="0" smtClean="0"/>
-              <a:t>Running Deep Learning workloads on </a:t>
+              <a:rPr lang="en-US" altLang="zh-CN" dirty="0"/>
+              <a:t>How do we have enough useful and reusable models that can be deployed on Azure Stack</a:t>
+            </a:r>
+            <a:r>
+              <a:rPr lang="en-US" altLang="zh-CN" dirty="0" smtClean="0"/>
+              <a:t>.</a:t>
+            </a:r>
+            <a:endParaRPr lang="en-US" altLang="zh-CN" dirty="0" smtClean="0"/>
+          </a:p>
+          <a:p>
+            <a:pPr lvl="1"/>
+            <a:r>
+              <a:rPr lang="en-US" altLang="zh-CN" dirty="0" smtClean="0"/>
+              <a:t>Running </a:t>
+            </a:r>
+            <a:r>
+              <a:rPr lang="en-US" altLang="zh-CN" dirty="0" smtClean="0"/>
+              <a:t>Deep Learning workloads on </a:t>
             </a:r>
             <a:r>
               <a:rPr lang="en-US" altLang="zh-CN" dirty="0" err="1" smtClean="0"/>
@@ -6776,7 +6962,7 @@
             </a:r>
           </a:p>
           <a:p>
-            <a:pPr lvl="1"/>
+            <a:pPr lvl="2"/>
             <a:r>
               <a:rPr lang="en-US" altLang="zh-CN" dirty="0"/>
               <a:t>Training in DLVM or home, inference on </a:t>
@@ -6791,6 +6977,14 @@
             </a:r>
           </a:p>
           <a:p>
+            <a:pPr lvl="1"/>
+            <a:r>
+              <a:rPr lang="en-US" altLang="zh-CN" dirty="0" err="1" smtClean="0"/>
+              <a:t>Aipk</a:t>
+            </a:r>
+            <a:endParaRPr lang="en-US" altLang="zh-CN" dirty="0" smtClean="0"/>
+          </a:p>
+          <a:p>
             <a:endParaRPr lang="en-US" altLang="zh-CN" dirty="0"/>
           </a:p>
           <a:p>
@@ -6822,11 +7016,7 @@
             <a:pPr lvl="2"/>
             <a:r>
               <a:rPr lang="en-US" altLang="zh-CN" dirty="0" smtClean="0"/>
-              <a:t>Image</a:t>
-            </a:r>
-            <a:r>
-              <a:rPr lang="en-US" altLang="zh-CN" dirty="0" smtClean="0"/>
-              <a:t>:</a:t>
+              <a:t>Image:</a:t>
             </a:r>
           </a:p>
           <a:p>
@@ -6835,17 +7025,12 @@
               <a:rPr lang="en-US" altLang="zh-CN" dirty="0" smtClean="0"/>
               <a:t>Facial expression recognition</a:t>
             </a:r>
-            <a:endParaRPr lang="en-US" altLang="zh-CN" dirty="0" smtClean="0"/>
           </a:p>
           <a:p>
             <a:pPr lvl="3"/>
             <a:r>
               <a:rPr lang="en-US" altLang="zh-CN" dirty="0" smtClean="0"/>
-              <a:t>Car </a:t>
-            </a:r>
-            <a:r>
-              <a:rPr lang="en-US" altLang="zh-CN" dirty="0" smtClean="0"/>
-              <a:t>recognition</a:t>
+              <a:t>Car recognition</a:t>
             </a:r>
           </a:p>
           <a:p>
@@ -6990,18 +7175,18 @@
               <a:t>71.22</a:t>
             </a:r>
             <a:r>
-              <a:rPr lang="en-US" altLang="zh-CN" b="1" dirty="0">
+              <a:rPr lang="en-US" altLang="zh-CN" b="1" dirty="0" smtClean="0">
                 <a:solidFill>
                   <a:schemeClr val="accent6">
                     <a:lumMod val="50000"/>
                   </a:schemeClr>
                 </a:solidFill>
               </a:rPr>
-              <a:t>% </a:t>
-            </a:r>
-            <a:r>
-              <a:rPr lang="en-US" altLang="zh-CN" dirty="0" smtClean="0"/>
-              <a:t>(state-of-art).</a:t>
+              <a:t>%</a:t>
+            </a:r>
+            <a:r>
+              <a:rPr lang="en-US" altLang="zh-CN" dirty="0" smtClean="0"/>
+              <a:t>.</a:t>
             </a:r>
             <a:endParaRPr lang="en-US" altLang="zh-CN" dirty="0"/>
           </a:p>
@@ -7162,8 +7347,60 @@
           <a:p>
             <a:r>
               <a:rPr lang="en-US" altLang="zh-CN" dirty="0"/>
-              <a:t>Stanford Cars Dataset</a:t>
-            </a:r>
+              <a:t>Stanford Cars </a:t>
+            </a:r>
+            <a:r>
+              <a:rPr lang="en-US" altLang="zh-CN" dirty="0" smtClean="0"/>
+              <a:t>Dataset</a:t>
+            </a:r>
+          </a:p>
+          <a:p>
+            <a:r>
+              <a:rPr lang="en-US" altLang="zh-CN" dirty="0"/>
+              <a:t>Fine-tune with </a:t>
+            </a:r>
+            <a:r>
+              <a:rPr lang="en-US" altLang="zh-CN" dirty="0" smtClean="0"/>
+              <a:t>ResNet-152.</a:t>
+            </a:r>
+            <a:endParaRPr lang="en-US" altLang="zh-CN" dirty="0"/>
+          </a:p>
+          <a:p>
+            <a:r>
+              <a:rPr lang="en-US" altLang="zh-CN" dirty="0" smtClean="0"/>
+              <a:t>Test </a:t>
+            </a:r>
+            <a:r>
+              <a:rPr lang="en-US" altLang="zh-CN" dirty="0" err="1"/>
+              <a:t>acc</a:t>
+            </a:r>
+            <a:r>
+              <a:rPr lang="en-US" altLang="zh-CN" dirty="0"/>
+              <a:t>: </a:t>
+            </a:r>
+            <a:r>
+              <a:rPr lang="en-US" altLang="zh-CN" b="1" dirty="0" smtClean="0">
+                <a:solidFill>
+                  <a:schemeClr val="accent6">
+                    <a:lumMod val="50000"/>
+                  </a:schemeClr>
+                </a:solidFill>
+              </a:rPr>
+              <a:t>88.88%</a:t>
+            </a:r>
+            <a:r>
+              <a:rPr lang="en-US" altLang="zh-CN" dirty="0" smtClean="0"/>
+              <a:t>.</a:t>
+            </a:r>
+            <a:endParaRPr lang="en-US" altLang="zh-CN" dirty="0"/>
+          </a:p>
+          <a:p>
+            <a:r>
+              <a:rPr lang="en-US" altLang="zh-CN" dirty="0"/>
+              <a:t>Confusion matrix:</a:t>
+            </a:r>
+          </a:p>
+          <a:p>
             <a:endParaRPr lang="zh-CN" altLang="en-US" dirty="0"/>
           </a:p>
         </p:txBody>
@@ -7184,12 +7421,94 @@
         </p:blipFill>
         <p:spPr>
           <a:xfrm>
-            <a:off x="5315681" y="1690688"/>
+            <a:off x="5759088" y="1499601"/>
             <a:ext cx="6126335" cy="2175852"/>
           </a:xfrm>
           <a:prstGeom prst="rect">
             <a:avLst/>
           </a:prstGeom>
+        </p:spPr>
+      </p:pic>
+      <p:pic>
+        <p:nvPicPr>
+          <p:cNvPr id="2050" name="Picture 2" descr="image"/>
+          <p:cNvPicPr>
+            <a:picLocks noChangeAspect="1" noChangeArrowheads="1"/>
+          </p:cNvPicPr>
+          <p:nvPr/>
+        </p:nvPicPr>
+        <p:blipFill>
+          <a:blip r:embed="rId3">
+            <a:extLst>
+              <a:ext uri="{28A0092B-C50C-407E-A947-70E740481C1C}">
+                <a14:useLocalDpi xmlns:a14="http://schemas.microsoft.com/office/drawing/2010/main" val="0"/>
+              </a:ext>
+            </a:extLst>
+          </a:blip>
+          <a:srcRect/>
+          <a:stretch>
+            <a:fillRect/>
+          </a:stretch>
+        </p:blipFill>
+        <p:spPr bwMode="auto">
+          <a:xfrm>
+            <a:off x="541469" y="3885891"/>
+            <a:ext cx="6117707" cy="2825302"/>
+          </a:xfrm>
+          <a:prstGeom prst="rect">
+            <a:avLst/>
+          </a:prstGeom>
+          <a:noFill/>
+          <a:extLst>
+            <a:ext uri="{909E8E84-426E-40DD-AFC4-6F175D3DCCD1}">
+              <a14:hiddenFill xmlns:a14="http://schemas.microsoft.com/office/drawing/2010/main">
+                <a:solidFill>
+                  <a:srgbClr val="FFFFFF"/>
+                </a:solidFill>
+              </a14:hiddenFill>
+            </a:ext>
+          </a:extLst>
+        </p:spPr>
+      </p:pic>
+      <p:pic>
+        <p:nvPicPr>
+          <p:cNvPr id="2052" name="Picture 4" descr="image"/>
+          <p:cNvPicPr>
+            <a:picLocks noChangeAspect="1" noChangeArrowheads="1"/>
+          </p:cNvPicPr>
+          <p:nvPr/>
+        </p:nvPicPr>
+        <p:blipFill>
+          <a:blip r:embed="rId4">
+            <a:extLst>
+              <a:ext uri="{28A0092B-C50C-407E-A947-70E740481C1C}">
+                <a14:useLocalDpi xmlns:a14="http://schemas.microsoft.com/office/drawing/2010/main" val="0"/>
+              </a:ext>
+            </a:extLst>
+          </a:blip>
+          <a:srcRect/>
+          <a:stretch>
+            <a:fillRect/>
+          </a:stretch>
+        </p:blipFill>
+        <p:spPr bwMode="auto">
+          <a:xfrm>
+            <a:off x="6835345" y="3885891"/>
+            <a:ext cx="5050078" cy="2821480"/>
+          </a:xfrm>
+          <a:prstGeom prst="rect">
+            <a:avLst/>
+          </a:prstGeom>
+          <a:noFill/>
+          <a:extLst>
+            <a:ext uri="{909E8E84-426E-40DD-AFC4-6F175D3DCCD1}">
+              <a14:hiddenFill xmlns:a14="http://schemas.microsoft.com/office/drawing/2010/main">
+                <a:solidFill>
+                  <a:srgbClr val="FFFFFF"/>
+                </a:solidFill>
+              </a14:hiddenFill>
+            </a:ext>
+          </a:extLst>
         </p:spPr>
       </p:pic>
     </p:spTree>
@@ -7266,12 +7585,18 @@
           </a:xfrm>
         </p:spPr>
         <p:txBody>
-          <a:bodyPr/>
-          <a:lstStyle/>
-          <a:p>
-            <a:r>
-              <a:rPr lang="en-US" altLang="zh-CN" dirty="0" smtClean="0"/>
-              <a:t>AI platform team </a:t>
+          <a:bodyPr>
+            <a:normAutofit/>
+          </a:bodyPr>
+          <a:lstStyle/>
+          <a:p>
+            <a:r>
+              <a:rPr lang="en-US" altLang="zh-CN" dirty="0" smtClean="0"/>
+              <a:t>AI </a:t>
+            </a:r>
+            <a:r>
+              <a:rPr lang="en-US" altLang="zh-CN" dirty="0" smtClean="0"/>
+              <a:t>platform team </a:t>
             </a:r>
             <a:r>
               <a:rPr lang="en-US" altLang="zh-CN" dirty="0"/>
@@ -7324,7 +7649,15 @@
             </a:r>
             <a:r>
               <a:rPr lang="en-US" altLang="zh-CN" dirty="0" smtClean="0"/>
-              <a:t>), help packed and install and run on </a:t>
+              <a:t>), help </a:t>
+            </a:r>
+            <a:r>
+              <a:rPr lang="en-US" altLang="zh-CN" dirty="0" smtClean="0"/>
+              <a:t>packed, can install </a:t>
+            </a:r>
+            <a:r>
+              <a:rPr lang="en-US" altLang="zh-CN" dirty="0" smtClean="0"/>
+              <a:t>and run on </a:t>
             </a:r>
             <a:r>
               <a:rPr lang="en-US" altLang="zh-CN" dirty="0" err="1" smtClean="0"/>
@@ -7429,12 +7762,318 @@
             <p:ph idx="1"/>
           </p:nvPr>
         </p:nvSpPr>
-        <p:spPr/>
-        <p:txBody>
-          <a:bodyPr/>
-          <a:lstStyle/>
-          <a:p>
-            <a:endParaRPr lang="zh-CN" altLang="en-US"/>
+        <p:spPr>
+          <a:xfrm>
+            <a:off x="838200" y="1825625"/>
+            <a:ext cx="4944762" cy="4351338"/>
+          </a:xfrm>
+        </p:spPr>
+        <p:txBody>
+          <a:bodyPr>
+            <a:normAutofit lnSpcReduction="10000"/>
+          </a:bodyPr>
+          <a:lstStyle/>
+          <a:p>
+            <a:r>
+              <a:rPr lang="en-US" altLang="zh-CN" dirty="0" err="1" smtClean="0"/>
+              <a:t>Tacotron</a:t>
+            </a:r>
+            <a:r>
+              <a:rPr lang="en-US" altLang="zh-CN" dirty="0"/>
+              <a:t>: An end-to-end speech synthesis system by </a:t>
+            </a:r>
+            <a:r>
+              <a:rPr lang="en-US" altLang="zh-CN" dirty="0" smtClean="0"/>
+              <a:t>Google. </a:t>
+            </a:r>
+            <a:r>
+              <a:rPr lang="en-US" altLang="zh-CN" sz="1600" dirty="0" smtClean="0"/>
+              <a:t>(</a:t>
+            </a:r>
+            <a:r>
+              <a:rPr lang="en-US" altLang="zh-CN" sz="1600" dirty="0" smtClean="0">
+                <a:hlinkClick r:id="rId3"/>
+              </a:rPr>
+              <a:t>audio samples</a:t>
+            </a:r>
+            <a:r>
+              <a:rPr lang="en-US" altLang="zh-CN" sz="1600" dirty="0" smtClean="0"/>
+              <a:t>)</a:t>
+            </a:r>
+          </a:p>
+          <a:p>
+            <a:r>
+              <a:rPr lang="en-US" altLang="zh-CN" dirty="0" err="1"/>
+              <a:t>WaveNet</a:t>
+            </a:r>
+            <a:r>
+              <a:rPr lang="en-US" altLang="zh-CN" dirty="0"/>
+              <a:t>: A Generative Model for Raw Audio </a:t>
+            </a:r>
+            <a:r>
+              <a:rPr lang="en-US" altLang="zh-CN" dirty="0" smtClean="0"/>
+              <a:t>by DeepMind</a:t>
+            </a:r>
+            <a:r>
+              <a:rPr lang="en-US" altLang="zh-CN" sz="1600" dirty="0" smtClean="0"/>
+              <a:t>.(</a:t>
+            </a:r>
+            <a:r>
+              <a:rPr lang="en-US" altLang="zh-CN" sz="1600" dirty="0" smtClean="0">
+                <a:hlinkClick r:id="rId4"/>
+              </a:rPr>
+              <a:t>audio samples</a:t>
+            </a:r>
+            <a:r>
+              <a:rPr lang="en-US" altLang="zh-CN" sz="1600" dirty="0" smtClean="0"/>
+              <a:t>)</a:t>
+            </a:r>
+          </a:p>
+          <a:p>
+            <a:r>
+              <a:rPr lang="en-US" altLang="zh-CN" dirty="0" err="1" smtClean="0"/>
+              <a:t>Tacotron</a:t>
+            </a:r>
+            <a:r>
+              <a:rPr lang="en-US" altLang="zh-CN" dirty="0" smtClean="0"/>
+              <a:t> V2. </a:t>
+            </a:r>
+            <a:r>
+              <a:rPr lang="en-US" altLang="zh-CN" sz="1600" dirty="0"/>
+              <a:t>(</a:t>
+            </a:r>
+            <a:r>
+              <a:rPr lang="en-US" altLang="zh-CN" sz="1600" dirty="0">
+                <a:hlinkClick r:id="rId5"/>
+              </a:rPr>
+              <a:t>audio samples</a:t>
+            </a:r>
+            <a:r>
+              <a:rPr lang="en-US" altLang="zh-CN" sz="1600" dirty="0" smtClean="0"/>
+              <a:t>)</a:t>
+            </a:r>
+          </a:p>
+          <a:p>
+            <a:endParaRPr lang="en-US" altLang="zh-CN" dirty="0" smtClean="0"/>
+          </a:p>
+          <a:p>
+            <a:r>
+              <a:rPr lang="en-US" altLang="zh-CN" dirty="0" err="1" smtClean="0"/>
+              <a:t>Tacotron</a:t>
+            </a:r>
+            <a:r>
+              <a:rPr lang="en-US" altLang="zh-CN" dirty="0" smtClean="0"/>
+              <a:t> on </a:t>
+            </a:r>
+            <a:r>
+              <a:rPr lang="en-US" altLang="zh-CN" dirty="0" err="1" smtClean="0"/>
+              <a:t>AzS</a:t>
+            </a:r>
+            <a:r>
+              <a:rPr lang="en-US" altLang="zh-CN" dirty="0" smtClean="0"/>
+              <a:t> and DLVM.</a:t>
+            </a:r>
+            <a:endParaRPr lang="en-US" altLang="zh-CN" dirty="0"/>
+          </a:p>
+          <a:p>
+            <a:r>
+              <a:rPr lang="en-US" altLang="zh-CN" dirty="0" smtClean="0"/>
+              <a:t>This is future, it needs GPU.</a:t>
+            </a:r>
+            <a:endParaRPr lang="en-US" altLang="zh-CN" dirty="0"/>
+          </a:p>
+          <a:p>
+            <a:endParaRPr lang="zh-CN" altLang="en-US" dirty="0"/>
+          </a:p>
+        </p:txBody>
+      </p:sp>
+      <p:pic>
+        <p:nvPicPr>
+          <p:cNvPr id="4" name="Picture 3"/>
+          <p:cNvPicPr>
+            <a:picLocks noChangeAspect="1"/>
+          </p:cNvPicPr>
+          <p:nvPr/>
+        </p:nvPicPr>
+        <p:blipFill>
+          <a:blip r:embed="rId6"/>
+          <a:stretch>
+            <a:fillRect/>
+          </a:stretch>
+        </p:blipFill>
+        <p:spPr>
+          <a:xfrm>
+            <a:off x="6906442" y="3823802"/>
+            <a:ext cx="5058086" cy="2725772"/>
+          </a:xfrm>
+          <a:prstGeom prst="rect">
+            <a:avLst/>
+          </a:prstGeom>
+        </p:spPr>
+      </p:pic>
+      <p:pic>
+        <p:nvPicPr>
+          <p:cNvPr id="5" name="Picture 4"/>
+          <p:cNvPicPr>
+            <a:picLocks noChangeAspect="1"/>
+          </p:cNvPicPr>
+          <p:nvPr/>
+        </p:nvPicPr>
+        <p:blipFill>
+          <a:blip r:embed="rId7"/>
+          <a:stretch>
+            <a:fillRect/>
+          </a:stretch>
+        </p:blipFill>
+        <p:spPr>
+          <a:xfrm>
+            <a:off x="7327180" y="2629359"/>
+            <a:ext cx="1883508" cy="1818559"/>
+          </a:xfrm>
+          <a:prstGeom prst="rect">
+            <a:avLst/>
+          </a:prstGeom>
+        </p:spPr>
+      </p:pic>
+      <p:cxnSp>
+        <p:nvCxnSpPr>
+          <p:cNvPr id="6" name="Straight Connector 5"/>
+          <p:cNvCxnSpPr/>
+          <p:nvPr/>
+        </p:nvCxnSpPr>
+        <p:spPr>
+          <a:xfrm>
+            <a:off x="9028670" y="2771788"/>
+            <a:ext cx="939114" cy="1676130"/>
+          </a:xfrm>
+          <a:prstGeom prst="line">
+            <a:avLst/>
+          </a:prstGeom>
+        </p:spPr>
+        <p:style>
+          <a:lnRef idx="1">
+            <a:schemeClr val="accent1"/>
+          </a:lnRef>
+          <a:fillRef idx="0">
+            <a:schemeClr val="accent1"/>
+          </a:fillRef>
+          <a:effectRef idx="0">
+            <a:schemeClr val="accent1"/>
+          </a:effectRef>
+          <a:fontRef idx="minor">
+            <a:schemeClr val="tx1"/>
+          </a:fontRef>
+        </p:style>
+      </p:cxnSp>
+      <p:cxnSp>
+        <p:nvCxnSpPr>
+          <p:cNvPr id="7" name="Straight Connector 6"/>
+          <p:cNvCxnSpPr/>
+          <p:nvPr/>
+        </p:nvCxnSpPr>
+        <p:spPr>
+          <a:xfrm>
+            <a:off x="9028670" y="4447918"/>
+            <a:ext cx="874595" cy="251506"/>
+          </a:xfrm>
+          <a:prstGeom prst="line">
+            <a:avLst/>
+          </a:prstGeom>
+        </p:spPr>
+        <p:style>
+          <a:lnRef idx="1">
+            <a:schemeClr val="accent1"/>
+          </a:lnRef>
+          <a:fillRef idx="0">
+            <a:schemeClr val="accent1"/>
+          </a:fillRef>
+          <a:effectRef idx="0">
+            <a:schemeClr val="accent1"/>
+          </a:effectRef>
+          <a:fontRef idx="minor">
+            <a:schemeClr val="tx1"/>
+          </a:fontRef>
+        </p:style>
+      </p:cxnSp>
+      <p:pic>
+        <p:nvPicPr>
+          <p:cNvPr id="8" name="Picture 7"/>
+          <p:cNvPicPr>
+            <a:picLocks noChangeAspect="1"/>
+          </p:cNvPicPr>
+          <p:nvPr/>
+        </p:nvPicPr>
+        <p:blipFill>
+          <a:blip r:embed="rId8"/>
+          <a:stretch>
+            <a:fillRect/>
+          </a:stretch>
+        </p:blipFill>
+        <p:spPr>
+          <a:xfrm>
+            <a:off x="5634681" y="842159"/>
+            <a:ext cx="6211560" cy="1697058"/>
+          </a:xfrm>
+          <a:prstGeom prst="rect">
+            <a:avLst/>
+          </a:prstGeom>
+        </p:spPr>
+      </p:pic>
+      <p:sp>
+        <p:nvSpPr>
+          <p:cNvPr id="13" name="Rectangle 12"/>
+          <p:cNvSpPr/>
+          <p:nvPr/>
+        </p:nvSpPr>
+        <p:spPr>
+          <a:xfrm>
+            <a:off x="5782962" y="472827"/>
+            <a:ext cx="2925801" cy="369332"/>
+          </a:xfrm>
+          <a:prstGeom prst="rect">
+            <a:avLst/>
+          </a:prstGeom>
+        </p:spPr>
+        <p:txBody>
+          <a:bodyPr wrap="none">
+            <a:spAutoFit/>
+          </a:bodyPr>
+          <a:lstStyle/>
+          <a:p>
+            <a:r>
+              <a:rPr lang="en-US" altLang="zh-CN" dirty="0"/>
+              <a:t>Statistical parametric model</a:t>
+            </a:r>
+            <a:endParaRPr lang="zh-CN" altLang="en-US" dirty="0"/>
+          </a:p>
+        </p:txBody>
+      </p:sp>
+      <p:sp>
+        <p:nvSpPr>
+          <p:cNvPr id="14" name="Rectangle 13"/>
+          <p:cNvSpPr/>
+          <p:nvPr/>
+        </p:nvSpPr>
+        <p:spPr>
+          <a:xfrm>
+            <a:off x="9878080" y="2996843"/>
+            <a:ext cx="2068195" cy="369332"/>
+          </a:xfrm>
+          <a:prstGeom prst="rect">
+            <a:avLst/>
+          </a:prstGeom>
+        </p:spPr>
+        <p:txBody>
+          <a:bodyPr wrap="none">
+            <a:spAutoFit/>
+          </a:bodyPr>
+          <a:lstStyle/>
+          <a:p>
+            <a:r>
+              <a:rPr lang="en-US" altLang="zh-CN" dirty="0"/>
+              <a:t>End-to-end model</a:t>
+            </a:r>
+            <a:endParaRPr lang="zh-CN" altLang="en-US" dirty="0"/>
           </a:p>
         </p:txBody>
       </p:sp>
@@ -7971,4 +8610,270 @@
     </a:ext>
   </a:extLst>
 </a:theme>
+</file>
+
+<file path=customXml/item1.xml><?xml version="1.0" encoding="utf-8"?>
+<p:properties xmlns:p="http://schemas.microsoft.com/office/2006/metadata/properties" xmlns:xsi="http://www.w3.org/2001/XMLSchema-instance" xmlns:pc="http://schemas.microsoft.com/office/infopath/2007/PartnerControls">
+  <documentManagement>
+    <_ip_UnifiedCompliancePolicyUIAction xmlns="http://schemas.microsoft.com/sharepoint/v3" xsi:nil="true"/>
+    <_ip_UnifiedCompliancePolicyProperties xmlns="http://schemas.microsoft.com/sharepoint/v3" xsi:nil="true"/>
+  </documentManagement>
+</p:properties>
+</file>
+
+<file path=customXml/item2.xml><?xml version="1.0" encoding="utf-8"?>
+<?mso-contentType ?>
+<FormTemplates xmlns="http://schemas.microsoft.com/sharepoint/v3/contenttype/forms">
+  <Display>DocumentLibraryForm</Display>
+  <Edit>DocumentLibraryForm</Edit>
+  <New>DocumentLibraryForm</New>
+</FormTemplates>
+</file>
+
+<file path=customXml/item3.xml><?xml version="1.0" encoding="utf-8"?>
+<ct:contentTypeSchema xmlns:ct="http://schemas.microsoft.com/office/2006/metadata/contentType" xmlns:ma="http://schemas.microsoft.com/office/2006/metadata/properties/metaAttributes" ct:_="" ma:_="" ma:contentTypeName="Document" ma:contentTypeID="0x01010005994007C685F540A8864BD3A9C2D816" ma:contentTypeVersion="9" ma:contentTypeDescription="Create a new document." ma:contentTypeScope="" ma:versionID="ed92a76a6c812a0732bee4028b5440cb">
+  <xsd:schema xmlns:xsd="http://www.w3.org/2001/XMLSchema" xmlns:xs="http://www.w3.org/2001/XMLSchema" xmlns:p="http://schemas.microsoft.com/office/2006/metadata/properties" xmlns:ns1="http://schemas.microsoft.com/sharepoint/v3" xmlns:ns2="c79cc644-90d1-4690-9829-45d95fb3eb4a" xmlns:ns3="0031515a-af40-4eda-999f-2f3657b2f54d" targetNamespace="http://schemas.microsoft.com/office/2006/metadata/properties" ma:root="true" ma:fieldsID="26dfab0540da6265d4dc58553fc98ad3" ns1:_="" ns2:_="" ns3:_="">
+    <xsd:import namespace="http://schemas.microsoft.com/sharepoint/v3"/>
+    <xsd:import namespace="c79cc644-90d1-4690-9829-45d95fb3eb4a"/>
+    <xsd:import namespace="0031515a-af40-4eda-999f-2f3657b2f54d"/>
+    <xsd:element name="properties">
+      <xsd:complexType>
+        <xsd:sequence>
+          <xsd:element name="documentManagement">
+            <xsd:complexType>
+              <xsd:all>
+                <xsd:element ref="ns2:SharedWithUsers" minOccurs="0"/>
+                <xsd:element ref="ns2:SharingHintHash" minOccurs="0"/>
+                <xsd:element ref="ns2:SharedWithDetails" minOccurs="0"/>
+                <xsd:element ref="ns2:LastSharedByUser" minOccurs="0"/>
+                <xsd:element ref="ns2:LastSharedByTime" minOccurs="0"/>
+                <xsd:element ref="ns3:MediaServiceMetadata" minOccurs="0"/>
+                <xsd:element ref="ns3:MediaServiceFastMetadata" minOccurs="0"/>
+                <xsd:element ref="ns1:_ip_UnifiedCompliancePolicyProperties" minOccurs="0"/>
+                <xsd:element ref="ns1:_ip_UnifiedCompliancePolicyUIAction" minOccurs="0"/>
+              </xsd:all>
+            </xsd:complexType>
+          </xsd:element>
+        </xsd:sequence>
+      </xsd:complexType>
+    </xsd:element>
+  </xsd:schema>
+  <xsd:schema xmlns:xsd="http://www.w3.org/2001/XMLSchema" xmlns:xs="http://www.w3.org/2001/XMLSchema" xmlns:dms="http://schemas.microsoft.com/office/2006/documentManagement/types" xmlns:pc="http://schemas.microsoft.com/office/infopath/2007/PartnerControls" targetNamespace="http://schemas.microsoft.com/sharepoint/v3" elementFormDefault="qualified">
+    <xsd:import namespace="http://schemas.microsoft.com/office/2006/documentManagement/types"/>
+    <xsd:import namespace="http://schemas.microsoft.com/office/infopath/2007/PartnerControls"/>
+    <xsd:element name="_ip_UnifiedCompliancePolicyProperties" ma:index="15" nillable="true" ma:displayName="Unified Compliance Policy Properties" ma:description="" ma:hidden="true" ma:internalName="_ip_UnifiedCompliancePolicyProperties">
+      <xsd:simpleType>
+        <xsd:restriction base="dms:Note"/>
+      </xsd:simpleType>
+    </xsd:element>
+    <xsd:element name="_ip_UnifiedCompliancePolicyUIAction" ma:index="16" nillable="true" ma:displayName="Unified Compliance Policy UI Action" ma:description="" ma:hidden="true" ma:internalName="_ip_UnifiedCompliancePolicyUIAction">
+      <xsd:simpleType>
+        <xsd:restriction base="dms:Text"/>
+      </xsd:simpleType>
+    </xsd:element>
+  </xsd:schema>
+  <xsd:schema xmlns:xsd="http://www.w3.org/2001/XMLSchema" xmlns:xs="http://www.w3.org/2001/XMLSchema" xmlns:dms="http://schemas.microsoft.com/office/2006/documentManagement/types" xmlns:pc="http://schemas.microsoft.com/office/infopath/2007/PartnerControls" targetNamespace="c79cc644-90d1-4690-9829-45d95fb3eb4a" elementFormDefault="qualified">
+    <xsd:import namespace="http://schemas.microsoft.com/office/2006/documentManagement/types"/>
+    <xsd:import namespace="http://schemas.microsoft.com/office/infopath/2007/PartnerControls"/>
+    <xsd:element name="SharedWithUsers" ma:index="8" nillable="true" ma:displayName="Shared With" ma:internalName="SharedWithUsers" ma:readOnly="true">
+      <xsd:complexType>
+        <xsd:complexContent>
+          <xsd:extension base="dms:UserMulti">
+            <xsd:sequence>
+              <xsd:element name="UserInfo" minOccurs="0" maxOccurs="unbounded">
+                <xsd:complexType>
+                  <xsd:sequence>
+                    <xsd:element name="DisplayName" type="xsd:string" minOccurs="0"/>
+                    <xsd:element name="AccountId" type="dms:UserId" minOccurs="0" nillable="true"/>
+                    <xsd:element name="AccountType" type="xsd:string" minOccurs="0"/>
+                  </xsd:sequence>
+                </xsd:complexType>
+              </xsd:element>
+            </xsd:sequence>
+          </xsd:extension>
+        </xsd:complexContent>
+      </xsd:complexType>
+    </xsd:element>
+    <xsd:element name="SharingHintHash" ma:index="9" nillable="true" ma:displayName="Sharing Hint Hash" ma:internalName="SharingHintHash" ma:readOnly="true">
+      <xsd:simpleType>
+        <xsd:restriction base="dms:Text"/>
+      </xsd:simpleType>
+    </xsd:element>
+    <xsd:element name="SharedWithDetails" ma:index="10" nillable="true" ma:displayName="Shared With Details" ma:internalName="SharedWithDetails" ma:readOnly="true">
+      <xsd:simpleType>
+        <xsd:restriction base="dms:Note">
+          <xsd:maxLength value="255"/>
+        </xsd:restriction>
+      </xsd:simpleType>
+    </xsd:element>
+    <xsd:element name="LastSharedByUser" ma:index="11" nillable="true" ma:displayName="Last Shared By User" ma:description="" ma:internalName="LastSharedByUser" ma:readOnly="true">
+      <xsd:simpleType>
+        <xsd:restriction base="dms:Note">
+          <xsd:maxLength value="255"/>
+        </xsd:restriction>
+      </xsd:simpleType>
+    </xsd:element>
+    <xsd:element name="LastSharedByTime" ma:index="12" nillable="true" ma:displayName="Last Shared By Time" ma:description="" ma:internalName="LastSharedByTime" ma:readOnly="true">
+      <xsd:simpleType>
+        <xsd:restriction base="dms:DateTime"/>
+      </xsd:simpleType>
+    </xsd:element>
+  </xsd:schema>
+  <xsd:schema xmlns:xsd="http://www.w3.org/2001/XMLSchema" xmlns:xs="http://www.w3.org/2001/XMLSchema" xmlns:dms="http://schemas.microsoft.com/office/2006/documentManagement/types" xmlns:pc="http://schemas.microsoft.com/office/infopath/2007/PartnerControls" targetNamespace="0031515a-af40-4eda-999f-2f3657b2f54d" elementFormDefault="qualified">
+    <xsd:import namespace="http://schemas.microsoft.com/office/2006/documentManagement/types"/>
+    <xsd:import namespace="http://schemas.microsoft.com/office/infopath/2007/PartnerControls"/>
+    <xsd:element name="MediaServiceMetadata" ma:index="13" nillable="true" ma:displayName="MediaServiceMetadata" ma:description="" ma:hidden="true" ma:internalName="MediaServiceMetadata" ma:readOnly="true">
+      <xsd:simpleType>
+        <xsd:restriction base="dms:Note"/>
+      </xsd:simpleType>
+    </xsd:element>
+    <xsd:element name="MediaServiceFastMetadata" ma:index="14" nillable="true" ma:displayName="MediaServiceFastMetadata" ma:description="" ma:hidden="true" ma:internalName="MediaServiceFastMetadata" ma:readOnly="true">
+      <xsd:simpleType>
+        <xsd:restriction base="dms:Note"/>
+      </xsd:simpleType>
+    </xsd:element>
+  </xsd:schema>
+  <xsd:schema xmlns="http://schemas.openxmlformats.org/package/2006/metadata/core-properties" xmlns:xsd="http://www.w3.org/2001/XMLSchema" xmlns:xsi="http://www.w3.org/2001/XMLSchema-instance" xmlns:dc="http://purl.org/dc/elements/1.1/" xmlns:dcterms="http://purl.org/dc/terms/" xmlns:odoc="http://schemas.microsoft.com/internal/obd" targetNamespace="http://schemas.openxmlformats.org/package/2006/metadata/core-properties" elementFormDefault="qualified" attributeFormDefault="unqualified" blockDefault="#all">
+    <xsd:import namespace="http://purl.org/dc/elements/1.1/" schemaLocation="http://dublincore.org/schemas/xmls/qdc/2003/04/02/dc.xsd"/>
+    <xsd:import namespace="http://purl.org/dc/terms/" schemaLocation="http://dublincore.org/schemas/xmls/qdc/2003/04/02/dcterms.xsd"/>
+    <xsd:element name="coreProperties" type="CT_coreProperties"/>
+    <xsd:complexType name="CT_coreProperties">
+      <xsd:all>
+        <xsd:element ref="dc:creator" minOccurs="0" maxOccurs="1"/>
+        <xsd:element ref="dcterms:created" minOccurs="0" maxOccurs="1"/>
+        <xsd:element ref="dc:identifier" minOccurs="0" maxOccurs="1"/>
+        <xsd:element name="contentType" minOccurs="0" maxOccurs="1" type="xsd:string" ma:index="0" ma:displayName="Content Type"/>
+        <xsd:element ref="dc:title" minOccurs="0" maxOccurs="1" ma:index="4" ma:displayName="Title"/>
+        <xsd:element ref="dc:subject" minOccurs="0" maxOccurs="1"/>
+        <xsd:element ref="dc:description" minOccurs="0" maxOccurs="1"/>
+        <xsd:element name="keywords" minOccurs="0" maxOccurs="1" type="xsd:string"/>
+        <xsd:element ref="dc:language" minOccurs="0" maxOccurs="1"/>
+        <xsd:element name="category" minOccurs="0" maxOccurs="1" type="xsd:string"/>
+        <xsd:element name="version" minOccurs="0" maxOccurs="1" type="xsd:string"/>
+        <xsd:element name="revision" minOccurs="0" maxOccurs="1" type="xsd:string">
+          <xsd:annotation>
+            <xsd:documentation>
+                        This value indicates the number of saves or revisions. The application is responsible for updating this value after each revision.
+                    </xsd:documentation>
+          </xsd:annotation>
+        </xsd:element>
+        <xsd:element name="lastModifiedBy" minOccurs="0" maxOccurs="1" type="xsd:string"/>
+        <xsd:element ref="dcterms:modified" minOccurs="0" maxOccurs="1"/>
+        <xsd:element name="contentStatus" minOccurs="0" maxOccurs="1" type="xsd:string"/>
+      </xsd:all>
+    </xsd:complexType>
+  </xsd:schema>
+  <xs:schema xmlns:pc="http://schemas.microsoft.com/office/infopath/2007/PartnerControls" xmlns:xs="http://www.w3.org/2001/XMLSchema" targetNamespace="http://schemas.microsoft.com/office/infopath/2007/PartnerControls" elementFormDefault="qualified" attributeFormDefault="unqualified">
+    <xs:element name="Person">
+      <xs:complexType>
+        <xs:sequence>
+          <xs:element ref="pc:DisplayName" minOccurs="0"/>
+          <xs:element ref="pc:AccountId" minOccurs="0"/>
+          <xs:element ref="pc:AccountType" minOccurs="0"/>
+        </xs:sequence>
+      </xs:complexType>
+    </xs:element>
+    <xs:element name="DisplayName" type="xs:string"/>
+    <xs:element name="AccountId" type="xs:string"/>
+    <xs:element name="AccountType" type="xs:string"/>
+    <xs:element name="BDCAssociatedEntity">
+      <xs:complexType>
+        <xs:sequence>
+          <xs:element ref="pc:BDCEntity" minOccurs="0" maxOccurs="unbounded"/>
+        </xs:sequence>
+        <xs:attribute ref="pc:EntityNamespace"/>
+        <xs:attribute ref="pc:EntityName"/>
+        <xs:attribute ref="pc:SystemInstanceName"/>
+        <xs:attribute ref="pc:AssociationName"/>
+      </xs:complexType>
+    </xs:element>
+    <xs:attribute name="EntityNamespace" type="xs:string"/>
+    <xs:attribute name="EntityName" type="xs:string"/>
+    <xs:attribute name="SystemInstanceName" type="xs:string"/>
+    <xs:attribute name="AssociationName" type="xs:string"/>
+    <xs:element name="BDCEntity">
+      <xs:complexType>
+        <xs:sequence>
+          <xs:element ref="pc:EntityDisplayName" minOccurs="0"/>
+          <xs:element ref="pc:EntityInstanceReference" minOccurs="0"/>
+          <xs:element ref="pc:EntityId1" minOccurs="0"/>
+          <xs:element ref="pc:EntityId2" minOccurs="0"/>
+          <xs:element ref="pc:EntityId3" minOccurs="0"/>
+          <xs:element ref="pc:EntityId4" minOccurs="0"/>
+          <xs:element ref="pc:EntityId5" minOccurs="0"/>
+        </xs:sequence>
+      </xs:complexType>
+    </xs:element>
+    <xs:element name="EntityDisplayName" type="xs:string"/>
+    <xs:element name="EntityInstanceReference" type="xs:string"/>
+    <xs:element name="EntityId1" type="xs:string"/>
+    <xs:element name="EntityId2" type="xs:string"/>
+    <xs:element name="EntityId3" type="xs:string"/>
+    <xs:element name="EntityId4" type="xs:string"/>
+    <xs:element name="EntityId5" type="xs:string"/>
+    <xs:element name="Terms">
+      <xs:complexType>
+        <xs:sequence>
+          <xs:element ref="pc:TermInfo" minOccurs="0" maxOccurs="unbounded"/>
+        </xs:sequence>
+      </xs:complexType>
+    </xs:element>
+    <xs:element name="TermInfo">
+      <xs:complexType>
+        <xs:sequence>
+          <xs:element ref="pc:TermName" minOccurs="0"/>
+          <xs:element ref="pc:TermId" minOccurs="0"/>
+        </xs:sequence>
+      </xs:complexType>
+    </xs:element>
+    <xs:element name="TermName" type="xs:string"/>
+    <xs:element name="TermId" type="xs:string"/>
+  </xs:schema>
+</ct:contentTypeSchema>
+</file>
+
+<file path=customXml/itemProps1.xml><?xml version="1.0" encoding="utf-8"?>
+<ds:datastoreItem xmlns:ds="http://schemas.openxmlformats.org/officeDocument/2006/customXml" ds:itemID="{272528F9-5535-4D93-822F-28FB862DF882}">
+  <ds:schemaRefs>
+    <ds:schemaRef ds:uri="http://schemas.microsoft.com/office/infopath/2007/PartnerControls"/>
+    <ds:schemaRef ds:uri="http://schemas.microsoft.com/sharepoint/v3"/>
+    <ds:schemaRef ds:uri="http://purl.org/dc/elements/1.1/"/>
+    <ds:schemaRef ds:uri="http://purl.org/dc/dcmitype/"/>
+    <ds:schemaRef ds:uri="http://schemas.microsoft.com/office/2006/documentManagement/types"/>
+    <ds:schemaRef ds:uri="http://purl.org/dc/terms/"/>
+    <ds:schemaRef ds:uri="0031515a-af40-4eda-999f-2f3657b2f54d"/>
+    <ds:schemaRef ds:uri="c79cc644-90d1-4690-9829-45d95fb3eb4a"/>
+    <ds:schemaRef ds:uri="http://schemas.openxmlformats.org/package/2006/metadata/core-properties"/>
+    <ds:schemaRef ds:uri="http://schemas.microsoft.com/office/2006/metadata/properties"/>
+    <ds:schemaRef ds:uri="http://www.w3.org/XML/1998/namespace"/>
+  </ds:schemaRefs>
+</ds:datastoreItem>
+</file>
+
+<file path=customXml/itemProps2.xml><?xml version="1.0" encoding="utf-8"?>
+<ds:datastoreItem xmlns:ds="http://schemas.openxmlformats.org/officeDocument/2006/customXml" ds:itemID="{7288DDDB-2171-4B41-8F73-D2488199F60D}">
+  <ds:schemaRefs>
+    <ds:schemaRef ds:uri="http://schemas.microsoft.com/sharepoint/v3/contenttype/forms"/>
+  </ds:schemaRefs>
+</ds:datastoreItem>
+</file>
+
+<file path=customXml/itemProps3.xml><?xml version="1.0" encoding="utf-8"?>
+<ds:datastoreItem xmlns:ds="http://schemas.openxmlformats.org/officeDocument/2006/customXml" ds:itemID="{C9B86811-3A3A-4A65-9FD4-D826F557ADFE}">
+  <ds:schemaRefs>
+    <ds:schemaRef ds:uri="http://schemas.microsoft.com/office/2006/metadata/contentType"/>
+    <ds:schemaRef ds:uri="http://schemas.microsoft.com/office/2006/metadata/properties/metaAttributes"/>
+    <ds:schemaRef ds:uri="http://www.w3.org/2001/XMLSchema"/>
+    <ds:schemaRef ds:uri="http://schemas.microsoft.com/office/2006/metadata/properties"/>
+    <ds:schemaRef ds:uri="http://schemas.microsoft.com/sharepoint/v3"/>
+    <ds:schemaRef ds:uri="c79cc644-90d1-4690-9829-45d95fb3eb4a"/>
+    <ds:schemaRef ds:uri="0031515a-af40-4eda-999f-2f3657b2f54d"/>
+    <ds:schemaRef ds:uri="http://schemas.microsoft.com/office/2006/documentManagement/types"/>
+    <ds:schemaRef ds:uri="http://schemas.microsoft.com/office/infopath/2007/PartnerControls"/>
+    <ds:schemaRef ds:uri="http://schemas.openxmlformats.org/package/2006/metadata/core-properties"/>
+    <ds:schemaRef ds:uri="http://purl.org/dc/elements/1.1/"/>
+    <ds:schemaRef ds:uri="http://purl.org/dc/terms/"/>
+    <ds:schemaRef ds:uri="http://schemas.microsoft.com/internal/obd"/>
+  </ds:schemaRefs>
+</ds:datastoreItem>
 </file>